--- a/slides/Tag-3_2-Best-Practices.pptx
+++ b/slides/Tag-3_2-Best-Practices.pptx
@@ -177,10 +177,6 @@
 </p:presentation>
 </file>
 
-<file path=ppt/revisionInfo.xml><?xml version="1.0" encoding="utf-8"?>
-<p1510:revInfo xmlns:a="http://schemas.openxmlformats.org/drawingml/2006/main" xmlns:r="http://schemas.openxmlformats.org/officeDocument/2006/relationships" xmlns:p1510="http://schemas.microsoft.com/office/powerpoint/2015/10/main"/>
-</file>
-
 <file path=ppt/handoutMasters/handoutMaster1.xml><?xml version="1.0" encoding="utf-8"?>
 <p:handoutMaster xmlns:a="http://schemas.openxmlformats.org/drawingml/2006/main" xmlns:r="http://schemas.openxmlformats.org/officeDocument/2006/relationships" xmlns:p="http://schemas.openxmlformats.org/presentationml/2006/main">
   <p:cSld>
@@ -4939,7 +4935,7 @@
               <a:pPr algn="ctr">
                 <a:defRPr/>
               </a:pPr>
-              <a:t>16.06.2017</a:t>
+              <a:t>14.03.2019</a:t>
             </a:fld>
             <a:endParaRPr lang="de-DE" sz="1000" dirty="0">
               <a:solidFill>
@@ -6768,7 +6764,7 @@
             </a:pPr>
             <a:r>
               <a:rPr lang="de-DE" sz="4000" b="1" dirty="0"/>
-              <a:t>14 Best Practices</a:t>
+              <a:t>Best Practices</a:t>
             </a:r>
             <a:br>
               <a:rPr lang="de-DE" sz="4000" b="1" dirty="0"/>

--- a/slides/Tag-3_2-Best-Practices.pptx
+++ b/slides/Tag-3_2-Best-Practices.pptx
@@ -4935,7 +4935,7 @@
               <a:pPr algn="ctr">
                 <a:defRPr/>
               </a:pPr>
-              <a:t>14.03.2019</a:t>
+              <a:t>15.03.2019</a:t>
             </a:fld>
             <a:endParaRPr lang="de-DE" sz="1000" dirty="0">
               <a:solidFill>
@@ -7108,6 +7108,61 @@
                 <a:latin typeface="Courier New" panose="02070309020205020404" pitchFamily="49" charset="0"/>
                 <a:cs typeface="Courier New" panose="02070309020205020404" pitchFamily="49" charset="0"/>
               </a:rPr>
+              <a:t>setVisible</a:t>
+            </a:r>
+            <a:r>
+              <a:rPr lang="en-US" sz="1600" dirty="0">
+                <a:latin typeface="Courier New" panose="02070309020205020404" pitchFamily="49" charset="0"/>
+                <a:cs typeface="Courier New" panose="02070309020205020404" pitchFamily="49" charset="0"/>
+              </a:rPr>
+              <a:t>(</a:t>
+            </a:r>
+            <a:r>
+              <a:rPr lang="en-US" sz="1600" dirty="0" err="1">
+                <a:latin typeface="Courier New" panose="02070309020205020404" pitchFamily="49" charset="0"/>
+                <a:cs typeface="Courier New" panose="02070309020205020404" pitchFamily="49" charset="0"/>
+              </a:rPr>
+              <a:t>boolean</a:t>
+            </a:r>
+            <a:r>
+              <a:rPr lang="en-US" sz="1600" dirty="0">
+                <a:latin typeface="Courier New" panose="02070309020205020404" pitchFamily="49" charset="0"/>
+                <a:cs typeface="Courier New" panose="02070309020205020404" pitchFamily="49" charset="0"/>
+              </a:rPr>
+              <a:t> visible) </a:t>
+            </a:r>
+            <a:r>
+              <a:rPr lang="en-US" sz="1600" dirty="0" err="1"/>
+              <a:t>aufrufen</a:t>
+            </a:r>
+            <a:r>
+              <a:rPr lang="en-US" sz="1600" dirty="0"/>
+              <a:t> – </a:t>
+            </a:r>
+            <a:r>
+              <a:rPr lang="en-US" sz="1600" dirty="0" err="1"/>
+              <a:t>ggf</a:t>
+            </a:r>
+            <a:r>
+              <a:rPr lang="en-US" sz="1600" dirty="0"/>
+              <a:t>. Behavior</a:t>
+            </a:r>
+          </a:p>
+          <a:p>
+            <a:pPr marL="857250" lvl="1" indent="-457200"/>
+            <a:r>
+              <a:rPr lang="en-US" sz="1600" dirty="0" err="1"/>
+              <a:t>Nicht</a:t>
+            </a:r>
+            <a:r>
+              <a:rPr lang="en-US" sz="1600" dirty="0"/>
+              <a:t> </a:t>
+            </a:r>
+            <a:r>
+              <a:rPr lang="en-US" sz="1600" dirty="0" err="1">
+                <a:latin typeface="Courier New" panose="02070309020205020404" pitchFamily="49" charset="0"/>
+                <a:cs typeface="Courier New" panose="02070309020205020404" pitchFamily="49" charset="0"/>
+              </a:rPr>
               <a:t>isVisible</a:t>
             </a:r>
             <a:r>
@@ -7118,63 +7173,12 @@
               <a:t>()</a:t>
             </a:r>
             <a:r>
-              <a:rPr lang="en-US" sz="1600" dirty="0"/>
-              <a:t> </a:t>
-            </a:r>
-            <a:r>
               <a:rPr lang="en-US" sz="1600" dirty="0" err="1"/>
               <a:t>überschreiben</a:t>
             </a:r>
             <a:r>
               <a:rPr lang="en-US" sz="1600" dirty="0"/>
-              <a:t> – </a:t>
-            </a:r>
-            <a:r>
-              <a:rPr lang="en-US" sz="1600" dirty="0" err="1"/>
-              <a:t>ggf</a:t>
-            </a:r>
-            <a:r>
-              <a:rPr lang="en-US" sz="1600" dirty="0"/>
-              <a:t>. Behavior</a:t>
-            </a:r>
-          </a:p>
-          <a:p>
-            <a:pPr marL="857250" lvl="1" indent="-457200"/>
-            <a:r>
-              <a:rPr lang="en-US" sz="1600" dirty="0" err="1"/>
-              <a:t>Nicht</a:t>
-            </a:r>
-            <a:r>
-              <a:rPr lang="en-US" sz="1600" dirty="0"/>
-              <a:t>: </a:t>
-            </a:r>
-            <a:r>
-              <a:rPr lang="en-US" sz="1600" dirty="0" err="1">
-                <a:latin typeface="Courier New" panose="02070309020205020404" pitchFamily="49" charset="0"/>
-                <a:cs typeface="Courier New" panose="02070309020205020404" pitchFamily="49" charset="0"/>
-              </a:rPr>
-              <a:t>setVisible</a:t>
-            </a:r>
-            <a:r>
-              <a:rPr lang="en-US" sz="1600" dirty="0">
-                <a:latin typeface="Courier New" panose="02070309020205020404" pitchFamily="49" charset="0"/>
-                <a:cs typeface="Courier New" panose="02070309020205020404" pitchFamily="49" charset="0"/>
-              </a:rPr>
-              <a:t>(</a:t>
-            </a:r>
-            <a:r>
-              <a:rPr lang="en-US" sz="1600" dirty="0" err="1">
-                <a:latin typeface="Courier New" panose="02070309020205020404" pitchFamily="49" charset="0"/>
-                <a:cs typeface="Courier New" panose="02070309020205020404" pitchFamily="49" charset="0"/>
-              </a:rPr>
-              <a:t>boolean</a:t>
-            </a:r>
-            <a:r>
-              <a:rPr lang="en-US" sz="1600" dirty="0">
-                <a:latin typeface="Courier New" panose="02070309020205020404" pitchFamily="49" charset="0"/>
-                <a:cs typeface="Courier New" panose="02070309020205020404" pitchFamily="49" charset="0"/>
-              </a:rPr>
-              <a:t> visible)</a:t>
+              <a:t> (Performance)</a:t>
             </a:r>
             <a:endParaRPr lang="de-DE" sz="1600" dirty="0">
               <a:latin typeface="Courier New" panose="02070309020205020404" pitchFamily="49" charset="0"/>

--- a/slides/Tag-3_2-Best-Practices.pptx
+++ b/slides/Tag-3_2-Best-Practices.pptx
@@ -6915,7 +6915,10 @@
             <a:endParaRPr lang="de-DE" sz="1800" b="1" dirty="0"/>
           </a:p>
           <a:p>
-            <a:pPr lvl="1"/>
+            <a:pPr lvl="1">
+              <a:buFont typeface="Arial" panose="020B0604020202020204" pitchFamily="34" charset="0"/>
+              <a:buChar char="•"/>
+            </a:pPr>
             <a:r>
               <a:rPr lang="de-DE" sz="1600" dirty="0" err="1"/>
               <a:t>Self-contained</a:t>
@@ -6940,7 +6943,10 @@
             </a:r>
           </a:p>
           <a:p>
-            <a:pPr marL="857250" lvl="1" indent="-457200"/>
+            <a:pPr marL="857250" lvl="1" indent="-457200">
+              <a:buFont typeface="Arial" panose="020B0604020202020204" pitchFamily="34" charset="0"/>
+              <a:buChar char="•"/>
+            </a:pPr>
             <a:r>
               <a:rPr lang="en-US" sz="1600" dirty="0"/>
               <a:t>Pages </a:t>
@@ -6977,7 +6983,10 @@
             </a:r>
           </a:p>
           <a:p>
-            <a:pPr marL="857250" lvl="1" indent="-457200"/>
+            <a:pPr marL="857250" lvl="1" indent="-457200">
+              <a:buFont typeface="Arial" panose="020B0604020202020204" pitchFamily="34" charset="0"/>
+              <a:buChar char="•"/>
+            </a:pPr>
             <a:r>
               <a:rPr lang="en-US" sz="1600" dirty="0"/>
               <a:t>Feste </a:t>
@@ -6989,7 +6998,10 @@
             <a:endParaRPr lang="en-US" sz="1600" dirty="0"/>
           </a:p>
           <a:p>
-            <a:pPr marL="857250" lvl="1" indent="-457200"/>
+            <a:pPr marL="857250" lvl="1" indent="-457200">
+              <a:buFont typeface="Arial" panose="020B0604020202020204" pitchFamily="34" charset="0"/>
+              <a:buChar char="•"/>
+            </a:pPr>
             <a:r>
               <a:rPr lang="en-US" sz="1600" dirty="0" err="1"/>
               <a:t>Keine</a:t>
@@ -7038,7 +7050,10 @@
             </a:r>
           </a:p>
           <a:p>
-            <a:pPr marL="857250" lvl="1" indent="-457200"/>
+            <a:pPr marL="857250" lvl="1" indent="-457200">
+              <a:buFont typeface="Arial" panose="020B0604020202020204" pitchFamily="34" charset="0"/>
+              <a:buChar char="•"/>
+            </a:pPr>
             <a:r>
               <a:rPr lang="en-US" sz="1600" dirty="0" err="1">
                 <a:latin typeface="Courier New" panose="02070309020205020404" pitchFamily="49" charset="0"/>
@@ -7102,7 +7117,10 @@
             </a:r>
           </a:p>
           <a:p>
-            <a:pPr marL="857250" lvl="1" indent="-457200"/>
+            <a:pPr marL="857250" lvl="1" indent="-457200">
+              <a:buFont typeface="Arial" panose="020B0604020202020204" pitchFamily="34" charset="0"/>
+              <a:buChar char="•"/>
+            </a:pPr>
             <a:r>
               <a:rPr lang="en-US" sz="1600" dirty="0" err="1">
                 <a:latin typeface="Courier New" panose="02070309020205020404" pitchFamily="49" charset="0"/>
@@ -7149,7 +7167,10 @@
             </a:r>
           </a:p>
           <a:p>
-            <a:pPr marL="857250" lvl="1" indent="-457200"/>
+            <a:pPr marL="857250" lvl="1" indent="-457200">
+              <a:buFont typeface="Arial" panose="020B0604020202020204" pitchFamily="34" charset="0"/>
+              <a:buChar char="•"/>
+            </a:pPr>
             <a:r>
               <a:rPr lang="en-US" sz="1600" dirty="0" err="1"/>
               <a:t>Nicht</a:t>
@@ -7269,7 +7290,10 @@
             </a:r>
           </a:p>
           <a:p>
-            <a:pPr marL="857250" lvl="1" indent="-457200"/>
+            <a:pPr marL="857250" lvl="1" indent="-457200">
+              <a:buFont typeface="Arial" panose="020B0604020202020204" pitchFamily="34" charset="0"/>
+              <a:buChar char="•"/>
+            </a:pPr>
             <a:r>
               <a:rPr lang="en-US" sz="1400" dirty="0" err="1"/>
               <a:t>Keine</a:t>
@@ -7311,7 +7335,10 @@
             <a:endParaRPr lang="de-DE" sz="1800" b="1" dirty="0"/>
           </a:p>
           <a:p>
-            <a:pPr lvl="1"/>
+            <a:pPr lvl="1">
+              <a:buFont typeface="Arial" panose="020B0604020202020204" pitchFamily="34" charset="0"/>
+              <a:buChar char="•"/>
+            </a:pPr>
             <a:r>
               <a:rPr lang="de-DE" sz="1600" dirty="0"/>
               <a:t>Models nur „auspacken“, wenn nötig</a:t>
@@ -7332,7 +7359,10 @@
             </a:r>
           </a:p>
           <a:p>
-            <a:pPr marL="857250" lvl="1" indent="-457200"/>
+            <a:pPr marL="857250" lvl="1" indent="-457200">
+              <a:buFont typeface="Arial" panose="020B0604020202020204" pitchFamily="34" charset="0"/>
+              <a:buChar char="•"/>
+            </a:pPr>
             <a:r>
               <a:rPr lang="en-US" sz="1600" dirty="0"/>
               <a:t>Default Model </a:t>
@@ -7385,7 +7415,10 @@
             </a:r>
           </a:p>
           <a:p>
-            <a:pPr marL="857250" lvl="1" indent="-457200"/>
+            <a:pPr marL="857250" lvl="1" indent="-457200">
+              <a:buFont typeface="Arial" panose="020B0604020202020204" pitchFamily="34" charset="0"/>
+              <a:buChar char="•"/>
+            </a:pPr>
             <a:r>
               <a:rPr lang="en-US" sz="1600" dirty="0" err="1"/>
               <a:t>Ein</a:t>
@@ -7442,7 +7475,10 @@
             </a:r>
           </a:p>
           <a:p>
-            <a:pPr marL="857250" lvl="1" indent="-457200"/>
+            <a:pPr marL="857250" lvl="1" indent="-457200">
+              <a:buFont typeface="Arial" panose="020B0604020202020204" pitchFamily="34" charset="0"/>
+              <a:buChar char="•"/>
+            </a:pPr>
             <a:r>
               <a:rPr lang="en-US" sz="1600" dirty="0" err="1">
                 <a:latin typeface="+mj-lt"/>
@@ -7511,7 +7547,10 @@
             </a:r>
           </a:p>
           <a:p>
-            <a:pPr marL="857250" lvl="1" indent="-457200"/>
+            <a:pPr marL="857250" lvl="1" indent="-457200">
+              <a:buFont typeface="Arial" panose="020B0604020202020204" pitchFamily="34" charset="0"/>
+              <a:buChar char="•"/>
+            </a:pPr>
             <a:r>
               <a:rPr lang="en-US" sz="1600" dirty="0">
                 <a:latin typeface="+mj-lt"/>
@@ -7608,7 +7647,10 @@
             </a:r>
           </a:p>
           <a:p>
-            <a:pPr marL="857250" lvl="1" indent="-457200"/>
+            <a:pPr marL="685800" lvl="1">
+              <a:buFont typeface="Arial" panose="020B0604020202020204" pitchFamily="34" charset="0"/>
+              <a:buChar char="•"/>
+            </a:pPr>
             <a:r>
               <a:rPr lang="en-US" sz="1400" dirty="0"/>
               <a:t>Factory </a:t>
@@ -7666,7 +7708,10 @@
             <a:endParaRPr lang="de-DE" sz="1800" b="1" dirty="0"/>
           </a:p>
           <a:p>
-            <a:pPr lvl="1"/>
+            <a:pPr lvl="1">
+              <a:buFont typeface="Arial" panose="020B0604020202020204" pitchFamily="34" charset="0"/>
+              <a:buChar char="•"/>
+            </a:pPr>
             <a:r>
               <a:rPr lang="de-DE" sz="1600" dirty="0"/>
               <a:t>Z.T. redundant zur </a:t>
@@ -7681,7 +7726,10 @@
             </a:r>
           </a:p>
           <a:p>
-            <a:pPr lvl="1"/>
+            <a:pPr lvl="1">
+              <a:buFont typeface="Arial" panose="020B0604020202020204" pitchFamily="34" charset="0"/>
+              <a:buChar char="•"/>
+            </a:pPr>
             <a:r>
               <a:rPr lang="de-DE" sz="1600" dirty="0"/>
               <a:t>Nicht der vorgesehene Ort</a:t>
@@ -7702,7 +7750,10 @@
             </a:r>
           </a:p>
           <a:p>
-            <a:pPr marL="857250" lvl="1" indent="-457200"/>
+            <a:pPr marL="857250" lvl="1" indent="-457200">
+              <a:buFont typeface="Arial" panose="020B0604020202020204" pitchFamily="34" charset="0"/>
+              <a:buChar char="•"/>
+            </a:pPr>
             <a:r>
               <a:rPr lang="en-US" sz="1600" dirty="0"/>
               <a:t>Z.B. </a:t>

--- a/slides/Tag-3_2-Best-Practices.pptx
+++ b/slides/Tag-3_2-Best-Practices.pptx
@@ -4935,7 +4935,7 @@
               <a:pPr algn="ctr">
                 <a:defRPr/>
               </a:pPr>
-              <a:t>15.03.2019</a:t>
+              <a:t>20.03.2019</a:t>
             </a:fld>
             <a:endParaRPr lang="de-DE" sz="1000" dirty="0">
               <a:solidFill>
@@ -7059,7 +7059,7 @@
                 <a:latin typeface="Courier New" panose="02070309020205020404" pitchFamily="49" charset="0"/>
                 <a:cs typeface="Courier New" panose="02070309020205020404" pitchFamily="49" charset="0"/>
               </a:rPr>
-              <a:t>isVisible</a:t>
+              <a:t>setVisible</a:t>
             </a:r>
             <a:r>
               <a:rPr lang="en-US" sz="1600" dirty="0">
@@ -7133,21 +7133,7 @@
                 <a:latin typeface="Courier New" panose="02070309020205020404" pitchFamily="49" charset="0"/>
                 <a:cs typeface="Courier New" panose="02070309020205020404" pitchFamily="49" charset="0"/>
               </a:rPr>
-              <a:t>(</a:t>
-            </a:r>
-            <a:r>
-              <a:rPr lang="en-US" sz="1600" dirty="0" err="1">
-                <a:latin typeface="Courier New" panose="02070309020205020404" pitchFamily="49" charset="0"/>
-                <a:cs typeface="Courier New" panose="02070309020205020404" pitchFamily="49" charset="0"/>
-              </a:rPr>
-              <a:t>boolean</a:t>
-            </a:r>
-            <a:r>
-              <a:rPr lang="en-US" sz="1600" dirty="0">
-                <a:latin typeface="Courier New" panose="02070309020205020404" pitchFamily="49" charset="0"/>
-                <a:cs typeface="Courier New" panose="02070309020205020404" pitchFamily="49" charset="0"/>
-              </a:rPr>
-              <a:t> visible) </a:t>
+              <a:t>() </a:t>
             </a:r>
             <a:r>
               <a:rPr lang="en-US" sz="1600" dirty="0" err="1"/>
@@ -7420,12 +7406,8 @@
               <a:buChar char="•"/>
             </a:pPr>
             <a:r>
-              <a:rPr lang="en-US" sz="1600" dirty="0" err="1"/>
-              <a:t>Ein</a:t>
-            </a:r>
-            <a:r>
               <a:rPr lang="en-US" sz="1600" dirty="0"/>
-              <a:t> Validator </a:t>
+              <a:t>Ein Validator </a:t>
             </a:r>
             <a:r>
               <a:rPr lang="en-US" sz="1600" dirty="0" err="1"/>
@@ -7455,10 +7437,7 @@
               <a:rPr lang="en-US" sz="1600" dirty="0" err="1"/>
               <a:t>Daten</a:t>
             </a:r>
-            <a:r>
-              <a:rPr lang="en-US" sz="1600" dirty="0"/>
-              <a:t>.</a:t>
-            </a:r>
+            <a:endParaRPr lang="en-US" sz="1600" dirty="0"/>
           </a:p>
           <a:p>
             <a:pPr marL="857250" lvl="1" indent="-457200"/>

--- a/slides/Tag-3_2-Best-Practices.pptx
+++ b/slides/Tag-3_2-Best-Practices.pptx
@@ -4935,7 +4935,7 @@
               <a:pPr algn="ctr">
                 <a:defRPr/>
               </a:pPr>
-              <a:t>20.03.2019</a:t>
+              <a:t>27.02.2020</a:t>
             </a:fld>
             <a:endParaRPr lang="de-DE" sz="1000" dirty="0">
               <a:solidFill>
@@ -6920,12 +6920,23 @@
               <a:buChar char="•"/>
             </a:pPr>
             <a:r>
+              <a:rPr lang="de-DE" sz="1600" dirty="0"/>
+              <a:t>Self-</a:t>
+            </a:r>
+            <a:r>
               <a:rPr lang="de-DE" sz="1600" dirty="0" err="1"/>
-              <a:t>Self-contained</a:t>
-            </a:r>
+              <a:t>contained</a:t>
+            </a:r>
+            <a:endParaRPr lang="de-DE" sz="1600" dirty="0"/>
+          </a:p>
+          <a:p>
+            <a:pPr lvl="1">
+              <a:buFont typeface="Arial" panose="020B0604020202020204" pitchFamily="34" charset="0"/>
+              <a:buChar char="•"/>
+            </a:pPr>
             <a:r>
               <a:rPr lang="de-DE" sz="1600" dirty="0"/>
-              <a:t>!</a:t>
+              <a:t>Wiederverwendbar</a:t>
             </a:r>
           </a:p>
           <a:p>
@@ -6993,7 +7004,7 @@
             </a:r>
             <a:r>
               <a:rPr lang="en-US" sz="1600" dirty="0" err="1"/>
-              <a:t>Konvention</a:t>
+              <a:t>Konventionen</a:t>
             </a:r>
             <a:endParaRPr lang="en-US" sz="1600" dirty="0"/>
           </a:p>
@@ -7004,7 +7015,15 @@
             </a:pPr>
             <a:r>
               <a:rPr lang="en-US" sz="1600" dirty="0" err="1"/>
-              <a:t>Keine</a:t>
+              <a:t>Möglichst</a:t>
+            </a:r>
+            <a:r>
+              <a:rPr lang="en-US" sz="1600" dirty="0"/>
+              <a:t> </a:t>
+            </a:r>
+            <a:r>
+              <a:rPr lang="en-US" sz="1600" dirty="0" err="1"/>
+              <a:t>keine</a:t>
             </a:r>
             <a:r>
               <a:rPr lang="en-US" sz="1600" dirty="0"/>
@@ -7290,7 +7309,7 @@
             </a:r>
             <a:r>
               <a:rPr lang="en-US" sz="1400" dirty="0" err="1"/>
-              <a:t>Daten</a:t>
+              <a:t>Komponenten</a:t>
             </a:r>
             <a:r>
               <a:rPr lang="en-US" sz="1400" dirty="0"/>
@@ -7437,7 +7456,10 @@
               <a:rPr lang="en-US" sz="1600" dirty="0" err="1"/>
               <a:t>Daten</a:t>
             </a:r>
-            <a:endParaRPr lang="en-US" sz="1600" dirty="0"/>
+            <a:r>
+              <a:rPr lang="en-US" sz="1600" dirty="0"/>
+              <a:t>!</a:t>
+            </a:r>
           </a:p>
           <a:p>
             <a:pPr marL="857250" lvl="1" indent="-457200"/>
@@ -7470,7 +7492,21 @@
                 <a:latin typeface="+mj-lt"/>
                 <a:cs typeface="Courier New" panose="02070309020205020404" pitchFamily="49" charset="0"/>
               </a:rPr>
-              <a:t> Components </a:t>
+              <a:t> </a:t>
+            </a:r>
+            <a:r>
+              <a:rPr lang="en-US" sz="1600" dirty="0" err="1">
+                <a:latin typeface="+mj-lt"/>
+                <a:cs typeface="Courier New" panose="02070309020205020404" pitchFamily="49" charset="0"/>
+              </a:rPr>
+              <a:t>Komponenten</a:t>
+            </a:r>
+            <a:r>
+              <a:rPr lang="en-US" sz="1600" dirty="0">
+                <a:latin typeface="+mj-lt"/>
+                <a:cs typeface="Courier New" panose="02070309020205020404" pitchFamily="49" charset="0"/>
+              </a:rPr>
+              <a:t> </a:t>
             </a:r>
             <a:r>
               <a:rPr lang="en-US" sz="1600" dirty="0" err="1">
@@ -7693,7 +7729,7 @@
             </a:pPr>
             <a:r>
               <a:rPr lang="de-DE" sz="1600" dirty="0"/>
-              <a:t>Z.T. redundant zur </a:t>
+              <a:t>Mitunter redundant zur </a:t>
             </a:r>
             <a:r>
               <a:rPr lang="de-DE" sz="1600" dirty="0" err="1"/>
@@ -7734,12 +7770,8 @@
               <a:buChar char="•"/>
             </a:pPr>
             <a:r>
-              <a:rPr lang="en-US" sz="1600" dirty="0"/>
-              <a:t>Z.B. </a:t>
-            </a:r>
-            <a:r>
               <a:rPr lang="en-US" sz="1600" dirty="0" err="1"/>
-              <a:t>innere</a:t>
+              <a:t>Innere</a:t>
             </a:r>
             <a:r>
               <a:rPr lang="en-US" sz="1600" dirty="0"/>
@@ -7750,6 +7782,16 @@
               <a:t>extrahieren</a:t>
             </a:r>
             <a:endParaRPr lang="en-US" sz="1600" dirty="0"/>
+          </a:p>
+          <a:p>
+            <a:pPr marL="857250" lvl="1" indent="-457200">
+              <a:buFont typeface="Arial" panose="020B0604020202020204" pitchFamily="34" charset="0"/>
+              <a:buChar char="•"/>
+            </a:pPr>
+            <a:r>
+              <a:rPr lang="en-US" sz="1600" dirty="0"/>
+              <a:t>Hooks</a:t>
+            </a:r>
           </a:p>
         </p:txBody>
       </p:sp>

--- a/slides/Tag-3_2-Best-Practices.pptx
+++ b/slides/Tag-3_2-Best-Practices.pptx
@@ -4935,7 +4935,7 @@
               <a:pPr algn="ctr">
                 <a:defRPr/>
               </a:pPr>
-              <a:t>27.02.2020</a:t>
+              <a:t>28.02.2020</a:t>
             </a:fld>
             <a:endParaRPr lang="de-DE" sz="1000" dirty="0">
               <a:solidFill>
@@ -6779,7 +6779,7 @@
             </a:r>
             <a:r>
               <a:rPr lang="de-DE" sz="2000" i="1" dirty="0"/>
-              <a:t> Guide</a:t>
+              <a:t> Guide 6</a:t>
             </a:r>
           </a:p>
           <a:p>
@@ -7705,6 +7705,41 @@
             <a:r>
               <a:rPr lang="en-US" sz="1400" dirty="0" err="1"/>
               <a:t>Bedarf</a:t>
+            </a:r>
+            <a:endParaRPr lang="en-US" sz="1400" dirty="0"/>
+          </a:p>
+          <a:p>
+            <a:pPr marL="685800" lvl="1">
+              <a:buFont typeface="Arial" panose="020B0604020202020204" pitchFamily="34" charset="0"/>
+              <a:buChar char="•"/>
+            </a:pPr>
+            <a:r>
+              <a:rPr lang="en-US" sz="1400" dirty="0" err="1"/>
+              <a:t>Ausnahme</a:t>
+            </a:r>
+            <a:r>
+              <a:rPr lang="en-US" sz="1400" dirty="0"/>
+              <a:t>: </a:t>
+            </a:r>
+            <a:r>
+              <a:rPr lang="en-US" sz="1400" dirty="0" err="1"/>
+              <a:t>Immer</a:t>
+            </a:r>
+            <a:r>
+              <a:rPr lang="en-US" sz="1400" dirty="0"/>
+              <a:t> </a:t>
+            </a:r>
+            <a:r>
+              <a:rPr lang="en-US" sz="1400" dirty="0" err="1"/>
+              <a:t>gleiche</a:t>
+            </a:r>
+            <a:r>
+              <a:rPr lang="en-US" sz="1400" dirty="0"/>
+              <a:t> </a:t>
+            </a:r>
+            <a:r>
+              <a:rPr lang="en-US" sz="1400" dirty="0" err="1"/>
+              <a:t>Konfiguration</a:t>
             </a:r>
             <a:br>
               <a:rPr lang="en-US" sz="1400" dirty="0"/>

--- a/slides/Tag-3_2-Best-Practices.pptx
+++ b/slides/Tag-3_2-Best-Practices.pptx
@@ -4935,7 +4935,7 @@
               <a:pPr algn="ctr">
                 <a:defRPr/>
               </a:pPr>
-              <a:t>28.02.2020</a:t>
+              <a:t>14.05.2021</a:t>
             </a:fld>
             <a:endParaRPr lang="de-DE" sz="1000" dirty="0">
               <a:solidFill>
@@ -5511,14 +5511,29 @@
               <a:defRPr/>
             </a:pPr>
             <a:r>
-              <a:rPr lang="de-DE" sz="1000" dirty="0">
+              <a:rPr lang="de-DE" sz="1000" dirty="0" smtClean="0">
                 <a:solidFill>
                   <a:schemeClr val="bg1"/>
                 </a:solidFill>
                 <a:latin typeface="Arial" charset="0"/>
               </a:rPr>
-              <a:t>Daniel Krämer</a:t>
-            </a:r>
+              <a:t>Patrick</a:t>
+            </a:r>
+            <a:r>
+              <a:rPr lang="de-DE" sz="1000" baseline="0" dirty="0" smtClean="0">
+                <a:solidFill>
+                  <a:schemeClr val="bg1"/>
+                </a:solidFill>
+                <a:latin typeface="Arial" charset="0"/>
+              </a:rPr>
+              <a:t> Möbius</a:t>
+            </a:r>
+            <a:endParaRPr lang="de-DE" sz="1000" dirty="0">
+              <a:solidFill>
+                <a:schemeClr val="bg1"/>
+              </a:solidFill>
+              <a:latin typeface="Arial" charset="0"/>
+            </a:endParaRPr>
           </a:p>
         </p:txBody>
       </p:sp>
@@ -7740,6 +7755,10 @@
             <a:r>
               <a:rPr lang="en-US" sz="1400" dirty="0" err="1"/>
               <a:t>Konfiguration</a:t>
+            </a:r>
+            <a:r>
+              <a:rPr lang="en-US" sz="1400" dirty="0"/>
+              <a:t/>
             </a:r>
             <a:br>
               <a:rPr lang="en-US" sz="1400" dirty="0"/>

--- a/slides/Tag-3_2-Best-Practices.pptx
+++ b/slides/Tag-3_2-Best-Practices.pptx
@@ -6,16 +6,17 @@
     <p:sldMasterId id="2147483649" r:id="rId2"/>
   </p:sldMasterIdLst>
   <p:notesMasterIdLst>
-    <p:notesMasterId r:id="rId7"/>
+    <p:notesMasterId r:id="rId8"/>
   </p:notesMasterIdLst>
   <p:handoutMasterIdLst>
-    <p:handoutMasterId r:id="rId8"/>
+    <p:handoutMasterId r:id="rId9"/>
   </p:handoutMasterIdLst>
   <p:sldIdLst>
-    <p:sldId id="519" r:id="rId3"/>
-    <p:sldId id="565" r:id="rId4"/>
-    <p:sldId id="566" r:id="rId5"/>
-    <p:sldId id="567" r:id="rId6"/>
+    <p:sldId id="568" r:id="rId3"/>
+    <p:sldId id="519" r:id="rId4"/>
+    <p:sldId id="565" r:id="rId5"/>
+    <p:sldId id="566" r:id="rId6"/>
+    <p:sldId id="567" r:id="rId7"/>
   </p:sldIdLst>
   <p:sldSz cx="9144000" cy="6858000" type="screen4x3"/>
   <p:notesSz cx="6784975" cy="9921875"/>
@@ -4935,7 +4936,7 @@
               <a:pPr algn="ctr">
                 <a:defRPr/>
               </a:pPr>
-              <a:t>14.05.2021</a:t>
+              <a:t>25.05.2021</a:t>
             </a:fld>
             <a:endParaRPr lang="de-DE" sz="1000" dirty="0">
               <a:solidFill>
@@ -6762,48 +6763,171 @@
           <a:bodyPr/>
           <a:lstStyle/>
           <a:p>
-            <a:pPr marL="0" indent="0" algn="ctr">
-              <a:buNone/>
+            <a:pPr>
+              <a:buFont typeface="Arial" panose="020B0604020202020204" pitchFamily="34" charset="0"/>
+              <a:buChar char="•"/>
             </a:pPr>
-            <a:endParaRPr lang="de-DE" sz="4000" b="1" dirty="0"/>
-          </a:p>
-          <a:p>
-            <a:pPr marL="0" indent="0" algn="ctr">
-              <a:buNone/>
+            <a:r>
+              <a:rPr lang="de-DE" sz="1800" b="1" dirty="0"/>
+              <a:t>Tag 1 – Einführung</a:t>
+            </a:r>
+          </a:p>
+          <a:p>
+            <a:pPr lvl="1">
+              <a:buFont typeface="Arial" panose="020B0604020202020204" pitchFamily="34" charset="0"/>
+              <a:buChar char="•"/>
             </a:pPr>
-            <a:endParaRPr lang="de-DE" sz="4000" b="1" dirty="0"/>
-          </a:p>
-          <a:p>
-            <a:pPr marL="0" indent="0" algn="ctr">
-              <a:buNone/>
+            <a:r>
+              <a:rPr lang="de-DE" sz="1400" dirty="0"/>
+              <a:t>Installation</a:t>
+            </a:r>
+          </a:p>
+          <a:p>
+            <a:pPr lvl="1">
+              <a:buFont typeface="Arial" panose="020B0604020202020204" pitchFamily="34" charset="0"/>
+              <a:buChar char="•"/>
             </a:pPr>
             <a:r>
-              <a:rPr lang="de-DE" sz="4000" b="1" dirty="0"/>
+              <a:rPr lang="de-DE" sz="1400" dirty="0"/>
+              <a:t>Erste Anwendung</a:t>
+            </a:r>
+          </a:p>
+          <a:p>
+            <a:pPr lvl="1">
+              <a:buFont typeface="Arial" panose="020B0604020202020204" pitchFamily="34" charset="0"/>
+              <a:buChar char="•"/>
+            </a:pPr>
+            <a:r>
+              <a:rPr lang="de-DE" sz="1400" dirty="0"/>
+              <a:t>Architektur</a:t>
+            </a:r>
+          </a:p>
+          <a:p>
+            <a:pPr lvl="1">
+              <a:buNone/>
+            </a:pPr>
+            <a:endParaRPr lang="de-DE" sz="1400" dirty="0"/>
+          </a:p>
+          <a:p>
+            <a:pPr>
+              <a:buFont typeface="Arial" panose="020B0604020202020204" pitchFamily="34" charset="0"/>
+              <a:buChar char="•"/>
+            </a:pPr>
+            <a:r>
+              <a:rPr lang="de-DE" sz="1800" b="1" dirty="0"/>
+              <a:t>Tag 2 – Entwicklung</a:t>
+            </a:r>
+          </a:p>
+          <a:p>
+            <a:pPr lvl="1">
+              <a:buFont typeface="Arial" panose="020B0604020202020204" pitchFamily="34" charset="0"/>
+              <a:buChar char="•"/>
+            </a:pPr>
+            <a:r>
+              <a:rPr lang="de-DE" sz="1400" dirty="0"/>
+              <a:t>Models</a:t>
+            </a:r>
+          </a:p>
+          <a:p>
+            <a:pPr lvl="1">
+              <a:buFont typeface="Arial" panose="020B0604020202020204" pitchFamily="34" charset="0"/>
+              <a:buChar char="•"/>
+            </a:pPr>
+            <a:r>
+              <a:rPr lang="de-DE" sz="1400" dirty="0"/>
+              <a:t>Darstellung</a:t>
+            </a:r>
+          </a:p>
+          <a:p>
+            <a:pPr lvl="1">
+              <a:buFont typeface="Arial" panose="020B0604020202020204" pitchFamily="34" charset="0"/>
+              <a:buChar char="•"/>
+            </a:pPr>
+            <a:r>
+              <a:rPr lang="de-DE" sz="1400" dirty="0"/>
+              <a:t>Formulare</a:t>
+            </a:r>
+          </a:p>
+          <a:p>
+            <a:pPr lvl="1">
+              <a:buFont typeface="Arial" panose="020B0604020202020204" pitchFamily="34" charset="0"/>
+              <a:buChar char="•"/>
+            </a:pPr>
+            <a:r>
+              <a:rPr lang="de-DE" sz="1400" dirty="0"/>
+              <a:t>Ajax</a:t>
+            </a:r>
+          </a:p>
+          <a:p>
+            <a:pPr lvl="1">
+              <a:buNone/>
+            </a:pPr>
+            <a:endParaRPr lang="de-DE" sz="1400" dirty="0"/>
+          </a:p>
+          <a:p>
+            <a:pPr>
+              <a:buFont typeface="Arial" panose="020B0604020202020204" pitchFamily="34" charset="0"/>
+              <a:buChar char="•"/>
+            </a:pPr>
+            <a:r>
+              <a:rPr lang="de-DE" sz="1800" b="1" dirty="0"/>
+              <a:t>Tag 3 – Fortgeschrittene Themen</a:t>
+            </a:r>
+          </a:p>
+          <a:p>
+            <a:pPr lvl="1">
+              <a:buFont typeface="Arial" panose="020B0604020202020204" pitchFamily="34" charset="0"/>
+              <a:buChar char="•"/>
+            </a:pPr>
+            <a:r>
+              <a:rPr lang="de-DE" sz="1400" dirty="0"/>
+              <a:t>Tests</a:t>
+            </a:r>
+          </a:p>
+          <a:p>
+            <a:pPr lvl="1">
+              <a:buFont typeface="Arial" panose="020B0604020202020204" pitchFamily="34" charset="0"/>
+              <a:buChar char="•"/>
+            </a:pPr>
+            <a:r>
+              <a:rPr lang="de-DE" sz="1400" dirty="0"/>
+              <a:t>Security &amp; </a:t>
+            </a:r>
+            <a:r>
+              <a:rPr lang="de-DE" sz="1400" dirty="0" err="1"/>
+              <a:t>Deployment</a:t>
+            </a:r>
+            <a:endParaRPr lang="de-DE" sz="1400" dirty="0"/>
+          </a:p>
+          <a:p>
+            <a:pPr lvl="1">
+              <a:buFont typeface="Arial" panose="020B0604020202020204" pitchFamily="34" charset="0"/>
+              <a:buChar char="•"/>
+            </a:pPr>
+            <a:r>
+              <a:rPr lang="de-DE" sz="1400" dirty="0"/>
+              <a:t>Lokalisierung &amp; Internationalisierung</a:t>
+            </a:r>
+          </a:p>
+          <a:p>
+            <a:pPr lvl="1">
+              <a:buFont typeface="Arial" panose="020B0604020202020204" pitchFamily="34" charset="0"/>
+              <a:buChar char="•"/>
+            </a:pPr>
+            <a:r>
+              <a:rPr lang="de-DE" sz="1400" dirty="0"/>
+              <a:t>Performance</a:t>
+            </a:r>
+          </a:p>
+          <a:p>
+            <a:pPr lvl="1">
+              <a:buFont typeface="Arial" panose="020B0604020202020204" pitchFamily="34" charset="0"/>
+              <a:buChar char="•"/>
+            </a:pPr>
+            <a:r>
+              <a:rPr lang="de-DE" sz="1400" u="sng" dirty="0"/>
               <a:t>Best Practices</a:t>
             </a:r>
-            <a:br>
-              <a:rPr lang="de-DE" sz="4000" b="1" dirty="0"/>
-            </a:br>
-            <a:r>
-              <a:rPr lang="de-DE" sz="2000" i="1" dirty="0"/>
-              <a:t>Nach: Apache </a:t>
-            </a:r>
-            <a:r>
-              <a:rPr lang="de-DE" sz="2000" i="1" dirty="0" err="1"/>
-              <a:t>Wicket</a:t>
-            </a:r>
-            <a:r>
-              <a:rPr lang="de-DE" sz="2000" i="1" dirty="0"/>
-              <a:t> Guide 6</a:t>
-            </a:r>
-          </a:p>
-          <a:p>
-            <a:pPr marL="0" indent="0" algn="ctr">
-              <a:buNone/>
-            </a:pPr>
-            <a:endParaRPr lang="de-DE" sz="4000" b="1" dirty="0">
-              <a:sym typeface="Wingdings" panose="05000000000000000000" pitchFamily="2" charset="2"/>
-            </a:endParaRPr>
           </a:p>
         </p:txBody>
       </p:sp>
@@ -6827,20 +6951,60 @@
           <a:bodyPr/>
           <a:lstStyle/>
           <a:p>
-            <a:endParaRPr lang="de-DE" dirty="0"/>
-          </a:p>
-        </p:txBody>
-      </p:sp>
+            <a:r>
+              <a:rPr lang="de-DE" dirty="0"/>
+              <a:t>Agenda</a:t>
+            </a:r>
+          </a:p>
+        </p:txBody>
+      </p:sp>
+      <p:pic>
+        <p:nvPicPr>
+          <p:cNvPr id="4" name="Grafik 3"/>
+          <p:cNvPicPr>
+            <a:picLocks noChangeAspect="1"/>
+          </p:cNvPicPr>
+          <p:nvPr/>
+        </p:nvPicPr>
+        <p:blipFill>
+          <a:blip r:embed="rId2">
+            <a:extLst>
+              <a:ext uri="{28A0092B-C50C-407E-A947-70E740481C1C}">
+                <a14:useLocalDpi xmlns:a14="http://schemas.microsoft.com/office/drawing/2010/main" val="0"/>
+              </a:ext>
+            </a:extLst>
+          </a:blip>
+          <a:stretch>
+            <a:fillRect/>
+          </a:stretch>
+        </p:blipFill>
+        <p:spPr>
+          <a:xfrm>
+            <a:off x="5868144" y="3140968"/>
+            <a:ext cx="2031746" cy="749206"/>
+          </a:xfrm>
+          <a:prstGeom prst="rect">
+            <a:avLst/>
+          </a:prstGeom>
+        </p:spPr>
+      </p:pic>
     </p:spTree>
     <p:extLst>
       <p:ext uri="{BB962C8B-B14F-4D97-AF65-F5344CB8AC3E}">
-        <p14:creationId xmlns:p14="http://schemas.microsoft.com/office/powerpoint/2010/main" val="4293925282"/>
+        <p14:creationId xmlns:p14="http://schemas.microsoft.com/office/powerpoint/2010/main" val="3784280051"/>
       </p:ext>
     </p:extLst>
   </p:cSld>
   <p:clrMapOvr>
     <a:masterClrMapping/>
   </p:clrMapOvr>
+  <p:timing>
+    <p:tnLst>
+      <p:par>
+        <p:cTn id="1" dur="indefinite" restart="never" nodeType="tmRoot"/>
+      </p:par>
+    </p:tnLst>
+  </p:timing>
 </p:sld>
 </file>
 
@@ -6863,6 +7027,96 @@
       </p:grpSpPr>
       <p:sp>
         <p:nvSpPr>
+          <p:cNvPr id="17410" name="Inhaltsplatzhalter 2"/>
+          <p:cNvSpPr>
+            <a:spLocks noGrp="1"/>
+          </p:cNvSpPr>
+          <p:nvPr>
+            <p:ph idx="1"/>
+          </p:nvPr>
+        </p:nvSpPr>
+        <p:spPr>
+          <a:xfrm>
+            <a:off x="303213" y="1341438"/>
+            <a:ext cx="8589962" cy="4824412"/>
+          </a:xfrm>
+        </p:spPr>
+        <p:txBody>
+          <a:bodyPr/>
+          <a:lstStyle/>
+          <a:p>
+            <a:pPr marL="0" indent="0" algn="ctr">
+              <a:buNone/>
+            </a:pPr>
+            <a:endParaRPr lang="de-DE" sz="4000" b="1" dirty="0"/>
+          </a:p>
+          <a:p>
+            <a:pPr marL="0" indent="0" algn="ctr">
+              <a:buNone/>
+            </a:pPr>
+            <a:endParaRPr lang="de-DE" sz="4000" b="1" dirty="0"/>
+          </a:p>
+          <a:p>
+            <a:pPr marL="0" indent="0" algn="ctr">
+              <a:buNone/>
+            </a:pPr>
+            <a:r>
+              <a:rPr lang="de-DE" sz="4000" b="1" dirty="0"/>
+              <a:t>Best Practices</a:t>
+            </a:r>
+            <a:br>
+              <a:rPr lang="de-DE" sz="4000" b="1" dirty="0"/>
+            </a:br>
+            <a:r>
+              <a:rPr lang="de-DE" sz="2000" i="1" dirty="0"/>
+              <a:t>Nach: Apache </a:t>
+            </a:r>
+            <a:r>
+              <a:rPr lang="de-DE" sz="2000" i="1" dirty="0" err="1"/>
+              <a:t>Wicket</a:t>
+            </a:r>
+            <a:r>
+              <a:rPr lang="de-DE" sz="2000" i="1" dirty="0"/>
+              <a:t> Guide </a:t>
+            </a:r>
+            <a:r>
+              <a:rPr lang="de-DE" sz="2000" i="1" dirty="0" smtClean="0"/>
+              <a:t>6</a:t>
+            </a:r>
+          </a:p>
+          <a:p>
+            <a:pPr marL="0" indent="0" algn="ctr">
+              <a:buNone/>
+            </a:pPr>
+            <a:r>
+              <a:rPr lang="de-DE" sz="2000" i="1" dirty="0">
+                <a:hlinkClick r:id="rId2"/>
+              </a:rPr>
+              <a:t>https://</a:t>
+            </a:r>
+            <a:r>
+              <a:rPr lang="de-DE" sz="2000" i="1" dirty="0" smtClean="0">
+                <a:hlinkClick r:id="rId2"/>
+              </a:rPr>
+              <a:t>ci.apache.org/projects/wicket/guide/6.x/guide/bestpractices.html</a:t>
+            </a:r>
+            <a:r>
+              <a:rPr lang="de-DE" sz="2000" i="1" dirty="0" smtClean="0"/>
+              <a:t> </a:t>
+            </a:r>
+          </a:p>
+          <a:p>
+            <a:pPr marL="0" indent="0" algn="ctr">
+              <a:buNone/>
+            </a:pPr>
+            <a:endParaRPr lang="de-DE" sz="4000" b="1" dirty="0">
+              <a:sym typeface="Wingdings" panose="05000000000000000000" pitchFamily="2" charset="2"/>
+            </a:endParaRPr>
+          </a:p>
+        </p:txBody>
+      </p:sp>
+      <p:sp>
+        <p:nvSpPr>
           <p:cNvPr id="17411" name="Rectangle 1062"/>
           <p:cNvSpPr>
             <a:spLocks noGrp="1" noChangeArrowheads="1"/>
@@ -6881,363 +7135,27 @@
           <a:bodyPr/>
           <a:lstStyle/>
           <a:p>
-            <a:r>
-              <a:rPr lang="de-DE" dirty="0"/>
-              <a:t>Best Practices</a:t>
-            </a:r>
-          </a:p>
-        </p:txBody>
-      </p:sp>
-      <p:sp>
-        <p:nvSpPr>
-          <p:cNvPr id="2" name="Inhaltsplatzhalter 1"/>
-          <p:cNvSpPr>
-            <a:spLocks noGrp="1"/>
-          </p:cNvSpPr>
-          <p:nvPr>
-            <p:ph idx="1"/>
-          </p:nvPr>
-        </p:nvSpPr>
-        <p:spPr/>
-        <p:txBody>
-          <a:bodyPr/>
-          <a:lstStyle/>
-          <a:p>
-            <a:pPr marL="457200" indent="-457200">
-              <a:buFont typeface="+mj-lt"/>
-              <a:buAutoNum type="arabicPeriod"/>
-            </a:pPr>
-            <a:r>
-              <a:rPr lang="de-DE" sz="1800" b="1" dirty="0" err="1"/>
-              <a:t>Encapsulate</a:t>
-            </a:r>
-            <a:r>
-              <a:rPr lang="de-DE" sz="1800" b="1" dirty="0"/>
-              <a:t> </a:t>
-            </a:r>
-            <a:r>
-              <a:rPr lang="de-DE" sz="1800" b="1" dirty="0" err="1"/>
-              <a:t>components</a:t>
-            </a:r>
-            <a:r>
-              <a:rPr lang="de-DE" sz="1800" b="1" dirty="0"/>
-              <a:t> </a:t>
-            </a:r>
-            <a:r>
-              <a:rPr lang="de-DE" sz="1800" b="1" dirty="0" err="1"/>
-              <a:t>correctly</a:t>
-            </a:r>
-            <a:endParaRPr lang="de-DE" sz="1800" b="1" dirty="0"/>
-          </a:p>
-          <a:p>
-            <a:pPr lvl="1">
-              <a:buFont typeface="Arial" panose="020B0604020202020204" pitchFamily="34" charset="0"/>
-              <a:buChar char="•"/>
-            </a:pPr>
-            <a:r>
-              <a:rPr lang="de-DE" sz="1600" dirty="0"/>
-              <a:t>Self-</a:t>
-            </a:r>
-            <a:r>
-              <a:rPr lang="de-DE" sz="1600" dirty="0" err="1"/>
-              <a:t>contained</a:t>
-            </a:r>
-            <a:endParaRPr lang="de-DE" sz="1600" dirty="0"/>
-          </a:p>
-          <a:p>
-            <a:pPr lvl="1">
-              <a:buFont typeface="Arial" panose="020B0604020202020204" pitchFamily="34" charset="0"/>
-              <a:buChar char="•"/>
-            </a:pPr>
-            <a:r>
-              <a:rPr lang="de-DE" sz="1600" dirty="0"/>
-              <a:t>Wiederverwendbar</a:t>
-            </a:r>
-          </a:p>
-          <a:p>
-            <a:pPr lvl="1"/>
-            <a:endParaRPr lang="de-DE" sz="1600" dirty="0"/>
-          </a:p>
-          <a:p>
-            <a:pPr marL="457200" indent="-457200">
-              <a:buFont typeface="+mj-lt"/>
-              <a:buAutoNum type="arabicPeriod"/>
-            </a:pPr>
-            <a:r>
-              <a:rPr lang="en-US" sz="1800" b="1" dirty="0"/>
-              <a:t>Put models and page data in fields</a:t>
-            </a:r>
-          </a:p>
-          <a:p>
-            <a:pPr marL="857250" lvl="1" indent="-457200">
-              <a:buFont typeface="Arial" panose="020B0604020202020204" pitchFamily="34" charset="0"/>
-              <a:buChar char="•"/>
-            </a:pPr>
-            <a:r>
-              <a:rPr lang="en-US" sz="1600" dirty="0"/>
-              <a:t>Pages </a:t>
-            </a:r>
-            <a:r>
-              <a:rPr lang="en-US" sz="1600" dirty="0" err="1"/>
-              <a:t>sind</a:t>
-            </a:r>
-            <a:r>
-              <a:rPr lang="en-US" sz="1600" dirty="0"/>
-              <a:t> </a:t>
-            </a:r>
-            <a:r>
-              <a:rPr lang="en-US" sz="1600" dirty="0" err="1"/>
-              <a:t>keine</a:t>
-            </a:r>
-            <a:r>
-              <a:rPr lang="en-US" sz="1600" dirty="0"/>
-              <a:t> Singletons</a:t>
-            </a:r>
-          </a:p>
-          <a:p>
-            <a:pPr marL="857250" lvl="1" indent="-457200"/>
-            <a:endParaRPr lang="en-US" sz="1600" dirty="0"/>
-          </a:p>
-          <a:p>
-            <a:pPr marL="457200" indent="-457200">
-              <a:buFont typeface="+mj-lt"/>
-              <a:buAutoNum type="arabicPeriod"/>
-            </a:pPr>
-            <a:r>
-              <a:rPr lang="en-US" sz="1800" b="1" dirty="0"/>
-              <a:t>Correct naming for Wicket IDs</a:t>
-            </a:r>
-          </a:p>
-          <a:p>
-            <a:pPr marL="857250" lvl="1" indent="-457200">
-              <a:buFont typeface="Arial" panose="020B0604020202020204" pitchFamily="34" charset="0"/>
-              <a:buChar char="•"/>
-            </a:pPr>
-            <a:r>
-              <a:rPr lang="en-US" sz="1600" dirty="0"/>
-              <a:t>Feste </a:t>
-            </a:r>
-            <a:r>
-              <a:rPr lang="en-US" sz="1600" dirty="0" err="1"/>
-              <a:t>Konventionen</a:t>
-            </a:r>
-            <a:endParaRPr lang="en-US" sz="1600" dirty="0"/>
-          </a:p>
-          <a:p>
-            <a:pPr marL="857250" lvl="1" indent="-457200">
-              <a:buFont typeface="Arial" panose="020B0604020202020204" pitchFamily="34" charset="0"/>
-              <a:buChar char="•"/>
-            </a:pPr>
-            <a:r>
-              <a:rPr lang="en-US" sz="1600" dirty="0" err="1"/>
-              <a:t>Möglichst</a:t>
-            </a:r>
-            <a:r>
-              <a:rPr lang="en-US" sz="1600" dirty="0"/>
-              <a:t> </a:t>
-            </a:r>
-            <a:r>
-              <a:rPr lang="en-US" sz="1600" dirty="0" err="1"/>
-              <a:t>keine</a:t>
-            </a:r>
-            <a:r>
-              <a:rPr lang="en-US" sz="1600" dirty="0"/>
-              <a:t> “</a:t>
-            </a:r>
-            <a:r>
-              <a:rPr lang="en-US" sz="1600" dirty="0" err="1"/>
-              <a:t>technischen</a:t>
-            </a:r>
-            <a:r>
-              <a:rPr lang="en-US" sz="1600" dirty="0"/>
-              <a:t>” </a:t>
-            </a:r>
-            <a:r>
-              <a:rPr lang="en-US" sz="1600" dirty="0" err="1"/>
-              <a:t>Namen</a:t>
-            </a:r>
-            <a:r>
-              <a:rPr lang="en-US" sz="1600" dirty="0"/>
-              <a:t> (</a:t>
-            </a:r>
-            <a:r>
-              <a:rPr lang="en-US" sz="1600" dirty="0" err="1"/>
-              <a:t>z.B</a:t>
-            </a:r>
-            <a:r>
-              <a:rPr lang="en-US" sz="1600" dirty="0"/>
-              <a:t>. –label)</a:t>
-            </a:r>
-          </a:p>
-          <a:p>
-            <a:pPr marL="857250" lvl="1" indent="-457200"/>
-            <a:endParaRPr lang="en-US" sz="1600" dirty="0"/>
-          </a:p>
-          <a:p>
-            <a:pPr marL="457200" indent="-457200">
-              <a:buFont typeface="+mj-lt"/>
-              <a:buAutoNum type="arabicPeriod"/>
-            </a:pPr>
-            <a:r>
-              <a:rPr lang="en-US" sz="1800" b="1" dirty="0"/>
-              <a:t>Avoid changes at the component tree</a:t>
-            </a:r>
-          </a:p>
-          <a:p>
-            <a:pPr marL="857250" lvl="1" indent="-457200">
-              <a:buFont typeface="Arial" panose="020B0604020202020204" pitchFamily="34" charset="0"/>
-              <a:buChar char="•"/>
-            </a:pPr>
-            <a:r>
-              <a:rPr lang="en-US" sz="1600" dirty="0" err="1">
-                <a:latin typeface="Courier New" panose="02070309020205020404" pitchFamily="49" charset="0"/>
-                <a:cs typeface="Courier New" panose="02070309020205020404" pitchFamily="49" charset="0"/>
-              </a:rPr>
-              <a:t>setVisible</a:t>
-            </a:r>
-            <a:r>
-              <a:rPr lang="en-US" sz="1600" dirty="0">
-                <a:latin typeface="Courier New" panose="02070309020205020404" pitchFamily="49" charset="0"/>
-                <a:cs typeface="Courier New" panose="02070309020205020404" pitchFamily="49" charset="0"/>
-              </a:rPr>
-              <a:t>()</a:t>
-            </a:r>
-            <a:r>
-              <a:rPr lang="en-US" sz="1600" dirty="0"/>
-              <a:t> </a:t>
-            </a:r>
-            <a:r>
-              <a:rPr lang="en-US" sz="1600" dirty="0" err="1"/>
-              <a:t>statt</a:t>
-            </a:r>
-            <a:r>
-              <a:rPr lang="en-US" sz="1600" dirty="0"/>
-              <a:t> </a:t>
-            </a:r>
-            <a:r>
-              <a:rPr lang="en-US" sz="1600" dirty="0" err="1"/>
-              <a:t>Fallunterscheidung</a:t>
-            </a:r>
-            <a:r>
-              <a:rPr lang="en-US" sz="1600" dirty="0"/>
-              <a:t> – </a:t>
-            </a:r>
-            <a:r>
-              <a:rPr lang="en-US" sz="1600" dirty="0" err="1"/>
-              <a:t>besser</a:t>
-            </a:r>
-            <a:r>
-              <a:rPr lang="en-US" sz="1600" dirty="0"/>
-              <a:t> </a:t>
-            </a:r>
-            <a:r>
-              <a:rPr lang="en-US" sz="1600" dirty="0" err="1"/>
-              <a:t>testbar</a:t>
-            </a:r>
-            <a:endParaRPr lang="en-US" sz="1600" dirty="0"/>
-          </a:p>
-          <a:p>
-            <a:pPr marL="857250" lvl="1" indent="-457200"/>
-            <a:endParaRPr lang="en-US" sz="1600" dirty="0"/>
-          </a:p>
-          <a:p>
-            <a:pPr marL="457200" indent="-457200">
-              <a:buFont typeface="+mj-lt"/>
-              <a:buAutoNum type="arabicPeriod"/>
-            </a:pPr>
-            <a:r>
-              <a:rPr lang="en-US" sz="1800" b="1" dirty="0"/>
-              <a:t>Implement visibilities of components correctly</a:t>
-            </a:r>
-          </a:p>
-          <a:p>
-            <a:pPr marL="857250" lvl="1" indent="-457200">
-              <a:buFont typeface="Arial" panose="020B0604020202020204" pitchFamily="34" charset="0"/>
-              <a:buChar char="•"/>
-            </a:pPr>
-            <a:r>
-              <a:rPr lang="en-US" sz="1600" dirty="0" err="1">
-                <a:latin typeface="Courier New" panose="02070309020205020404" pitchFamily="49" charset="0"/>
-                <a:cs typeface="Courier New" panose="02070309020205020404" pitchFamily="49" charset="0"/>
-              </a:rPr>
-              <a:t>setVisible</a:t>
-            </a:r>
-            <a:r>
-              <a:rPr lang="en-US" sz="1600" dirty="0">
-                <a:latin typeface="Courier New" panose="02070309020205020404" pitchFamily="49" charset="0"/>
-                <a:cs typeface="Courier New" panose="02070309020205020404" pitchFamily="49" charset="0"/>
-              </a:rPr>
-              <a:t>() </a:t>
-            </a:r>
-            <a:r>
-              <a:rPr lang="en-US" sz="1600" dirty="0" err="1"/>
-              <a:t>aufrufen</a:t>
-            </a:r>
-            <a:r>
-              <a:rPr lang="en-US" sz="1600" dirty="0"/>
-              <a:t> – </a:t>
-            </a:r>
-            <a:r>
-              <a:rPr lang="en-US" sz="1600" dirty="0" err="1"/>
-              <a:t>ggf</a:t>
-            </a:r>
-            <a:r>
-              <a:rPr lang="en-US" sz="1600" dirty="0"/>
-              <a:t>. Behavior</a:t>
-            </a:r>
-          </a:p>
-          <a:p>
-            <a:pPr marL="857250" lvl="1" indent="-457200">
-              <a:buFont typeface="Arial" panose="020B0604020202020204" pitchFamily="34" charset="0"/>
-              <a:buChar char="•"/>
-            </a:pPr>
-            <a:r>
-              <a:rPr lang="en-US" sz="1600" dirty="0" err="1"/>
-              <a:t>Nicht</a:t>
-            </a:r>
-            <a:r>
-              <a:rPr lang="en-US" sz="1600" dirty="0"/>
-              <a:t> </a:t>
-            </a:r>
-            <a:r>
-              <a:rPr lang="en-US" sz="1600" dirty="0" err="1">
-                <a:latin typeface="Courier New" panose="02070309020205020404" pitchFamily="49" charset="0"/>
-                <a:cs typeface="Courier New" panose="02070309020205020404" pitchFamily="49" charset="0"/>
-              </a:rPr>
-              <a:t>isVisible</a:t>
-            </a:r>
-            <a:r>
-              <a:rPr lang="en-US" sz="1600" dirty="0">
-                <a:latin typeface="Courier New" panose="02070309020205020404" pitchFamily="49" charset="0"/>
-                <a:cs typeface="Courier New" panose="02070309020205020404" pitchFamily="49" charset="0"/>
-              </a:rPr>
-              <a:t>()</a:t>
-            </a:r>
-            <a:r>
-              <a:rPr lang="en-US" sz="1600" dirty="0" err="1"/>
-              <a:t>überschreiben</a:t>
-            </a:r>
-            <a:r>
-              <a:rPr lang="en-US" sz="1600" dirty="0"/>
-              <a:t> (Performance)</a:t>
-            </a:r>
-            <a:endParaRPr lang="de-DE" sz="1600" dirty="0">
-              <a:latin typeface="Courier New" panose="02070309020205020404" pitchFamily="49" charset="0"/>
-              <a:cs typeface="Courier New" panose="02070309020205020404" pitchFamily="49" charset="0"/>
-            </a:endParaRPr>
+            <a:endParaRPr lang="de-DE" dirty="0"/>
           </a:p>
         </p:txBody>
       </p:sp>
     </p:spTree>
     <p:extLst>
       <p:ext uri="{BB962C8B-B14F-4D97-AF65-F5344CB8AC3E}">
-        <p14:creationId xmlns:p14="http://schemas.microsoft.com/office/powerpoint/2010/main" val="763390486"/>
+        <p14:creationId xmlns:p14="http://schemas.microsoft.com/office/powerpoint/2010/main" val="4293925282"/>
       </p:ext>
     </p:extLst>
   </p:cSld>
   <p:clrMapOvr>
     <a:masterClrMapping/>
   </p:clrMapOvr>
+  <p:timing>
+    <p:tnLst>
+      <p:par>
+        <p:cTn id="1" dur="indefinite" restart="never" nodeType="tmRoot"/>
+      </p:par>
+    </p:tnLst>
+  </p:timing>
 </p:sld>
 </file>
 
@@ -7302,11 +7220,67 @@
           <a:p>
             <a:pPr marL="457200" indent="-457200">
               <a:buFont typeface="+mj-lt"/>
-              <a:buAutoNum type="arabicPeriod" startAt="6"/>
+              <a:buAutoNum type="arabicPeriod"/>
             </a:pPr>
             <a:r>
+              <a:rPr lang="de-DE" sz="1800" b="1" dirty="0" err="1"/>
+              <a:t>Encapsulate</a:t>
+            </a:r>
+            <a:r>
+              <a:rPr lang="de-DE" sz="1800" b="1" dirty="0"/>
+              <a:t> </a:t>
+            </a:r>
+            <a:r>
+              <a:rPr lang="de-DE" sz="1800" b="1" dirty="0" err="1"/>
+              <a:t>components</a:t>
+            </a:r>
+            <a:r>
+              <a:rPr lang="de-DE" sz="1800" b="1" dirty="0"/>
+              <a:t> </a:t>
+            </a:r>
+            <a:r>
+              <a:rPr lang="de-DE" sz="1800" b="1" dirty="0" err="1"/>
+              <a:t>correctly</a:t>
+            </a:r>
+            <a:endParaRPr lang="de-DE" sz="1800" b="1" dirty="0"/>
+          </a:p>
+          <a:p>
+            <a:pPr lvl="1">
+              <a:buFont typeface="Arial" panose="020B0604020202020204" pitchFamily="34" charset="0"/>
+              <a:buChar char="•"/>
+            </a:pPr>
+            <a:r>
+              <a:rPr lang="de-DE" sz="1600" dirty="0"/>
+              <a:t>Self-</a:t>
+            </a:r>
+            <a:r>
+              <a:rPr lang="de-DE" sz="1600" dirty="0" err="1"/>
+              <a:t>contained</a:t>
+            </a:r>
+            <a:endParaRPr lang="de-DE" sz="1600" dirty="0"/>
+          </a:p>
+          <a:p>
+            <a:pPr lvl="1">
+              <a:buFont typeface="Arial" panose="020B0604020202020204" pitchFamily="34" charset="0"/>
+              <a:buChar char="•"/>
+            </a:pPr>
+            <a:r>
+              <a:rPr lang="de-DE" sz="1600" dirty="0"/>
+              <a:t>Wiederverwendbar</a:t>
+            </a:r>
+          </a:p>
+          <a:p>
+            <a:pPr lvl="1"/>
+            <a:endParaRPr lang="de-DE" sz="1600" dirty="0"/>
+          </a:p>
+          <a:p>
+            <a:pPr marL="457200" indent="-457200">
+              <a:buFont typeface="+mj-lt"/>
+              <a:buAutoNum type="arabicPeriod"/>
+            </a:pPr>
+            <a:r>
               <a:rPr lang="en-US" sz="1800" b="1" dirty="0"/>
-              <a:t>Always use models</a:t>
+              <a:t>Put models and page data in fields</a:t>
             </a:r>
           </a:p>
           <a:p>
@@ -7315,67 +7289,38 @@
               <a:buChar char="•"/>
             </a:pPr>
             <a:r>
-              <a:rPr lang="en-US" sz="1400" dirty="0" err="1"/>
-              <a:t>Keine</a:t>
-            </a:r>
-            <a:r>
-              <a:rPr lang="en-US" sz="1400" dirty="0"/>
+              <a:rPr lang="en-US" sz="1600" dirty="0"/>
+              <a:t>Pages </a:t>
+            </a:r>
+            <a:r>
+              <a:rPr lang="en-US" sz="1600" dirty="0" err="1"/>
+              <a:t>sind</a:t>
+            </a:r>
+            <a:r>
+              <a:rPr lang="en-US" sz="1600" dirty="0"/>
               <a:t> </a:t>
             </a:r>
             <a:r>
-              <a:rPr lang="en-US" sz="1400" dirty="0" err="1"/>
-              <a:t>Komponenten</a:t>
-            </a:r>
-            <a:r>
-              <a:rPr lang="en-US" sz="1400" dirty="0"/>
-              <a:t> </a:t>
-            </a:r>
-            <a:r>
-              <a:rPr lang="en-US" sz="1400" dirty="0" err="1"/>
-              <a:t>ohne</a:t>
-            </a:r>
-            <a:r>
-              <a:rPr lang="en-US" sz="1400" dirty="0"/>
-              <a:t> Model</a:t>
-            </a:r>
-            <a:br>
-              <a:rPr lang="en-US" sz="1400" dirty="0"/>
-            </a:br>
-            <a:endParaRPr lang="en-US" sz="1400" dirty="0"/>
+              <a:rPr lang="en-US" sz="1600" dirty="0" err="1"/>
+              <a:t>keine</a:t>
+            </a:r>
+            <a:r>
+              <a:rPr lang="en-US" sz="1600" dirty="0"/>
+              <a:t> Singletons</a:t>
+            </a:r>
+          </a:p>
+          <a:p>
+            <a:pPr marL="857250" lvl="1" indent="-457200"/>
+            <a:endParaRPr lang="en-US" sz="1600" dirty="0"/>
           </a:p>
           <a:p>
             <a:pPr marL="457200" indent="-457200">
               <a:buFont typeface="+mj-lt"/>
-              <a:buAutoNum type="arabicPeriod" startAt="6"/>
+              <a:buAutoNum type="arabicPeriod"/>
             </a:pPr>
             <a:r>
               <a:rPr lang="en-US" sz="1800" b="1" dirty="0"/>
-              <a:t>Do not unwrap models within the constructor hierarchy</a:t>
-            </a:r>
-            <a:endParaRPr lang="de-DE" sz="1800" b="1" dirty="0"/>
-          </a:p>
-          <a:p>
-            <a:pPr lvl="1">
-              <a:buFont typeface="Arial" panose="020B0604020202020204" pitchFamily="34" charset="0"/>
-              <a:buChar char="•"/>
-            </a:pPr>
-            <a:r>
-              <a:rPr lang="de-DE" sz="1600" dirty="0"/>
-              <a:t>Models nur „auspacken“, wenn nötig</a:t>
-            </a:r>
-          </a:p>
-          <a:p>
-            <a:pPr lvl="1"/>
-            <a:endParaRPr lang="de-DE" sz="1600" dirty="0"/>
-          </a:p>
-          <a:p>
-            <a:pPr marL="457200" indent="-457200">
-              <a:buFont typeface="+mj-lt"/>
-              <a:buAutoNum type="arabicPeriod" startAt="6"/>
-            </a:pPr>
-            <a:r>
-              <a:rPr lang="en-US" sz="1800" b="1" dirty="0"/>
-              <a:t>Pass models extended components</a:t>
+              <a:t>Correct naming for Wicket IDs</a:t>
             </a:r>
           </a:p>
           <a:p>
@@ -7385,54 +7330,13 @@
             </a:pPr>
             <a:r>
               <a:rPr lang="en-US" sz="1600" dirty="0"/>
-              <a:t>Default Model </a:t>
+              <a:t>Feste </a:t>
             </a:r>
             <a:r>
               <a:rPr lang="en-US" sz="1600" dirty="0" err="1"/>
-              <a:t>tatsächlich</a:t>
-            </a:r>
-            <a:r>
-              <a:rPr lang="en-US" sz="1600" dirty="0"/>
-              <a:t> </a:t>
-            </a:r>
-            <a:r>
-              <a:rPr lang="en-US" sz="1600" dirty="0" err="1"/>
-              <a:t>setzen</a:t>
-            </a:r>
-            <a:r>
-              <a:rPr lang="en-US" sz="1600" dirty="0"/>
-              <a:t> – </a:t>
-            </a:r>
-            <a:r>
-              <a:rPr lang="en-US" sz="1600" dirty="0" err="1"/>
-              <a:t>z.B</a:t>
-            </a:r>
-            <a:r>
-              <a:rPr lang="en-US" sz="1600" dirty="0"/>
-              <a:t>. in </a:t>
-            </a:r>
-            <a:r>
-              <a:rPr lang="en-US" sz="1600" dirty="0" err="1"/>
-              <a:t>eigenen</a:t>
-            </a:r>
-            <a:r>
-              <a:rPr lang="en-US" sz="1600" dirty="0"/>
-              <a:t> Panels</a:t>
-            </a:r>
-          </a:p>
-          <a:p>
-            <a:pPr marL="857250" lvl="1" indent="-457200"/>
+              <a:t>Konventionen</a:t>
+            </a:r>
             <a:endParaRPr lang="en-US" sz="1600" dirty="0"/>
-          </a:p>
-          <a:p>
-            <a:pPr marL="457200" indent="-457200">
-              <a:buFont typeface="+mj-lt"/>
-              <a:buAutoNum type="arabicPeriod" startAt="6"/>
-            </a:pPr>
-            <a:r>
-              <a:rPr lang="en-US" sz="1800" b="1" dirty="0"/>
-              <a:t>Validators must not change any data or models</a:t>
-            </a:r>
           </a:p>
           <a:p>
             <a:pPr marL="857250" lvl="1" indent="-457200">
@@ -7440,20 +7344,8 @@
               <a:buChar char="•"/>
             </a:pPr>
             <a:r>
-              <a:rPr lang="en-US" sz="1600" dirty="0"/>
-              <a:t>Ein Validator </a:t>
-            </a:r>
-            <a:r>
               <a:rPr lang="en-US" sz="1600" dirty="0" err="1"/>
-              <a:t>validiert</a:t>
-            </a:r>
-            <a:r>
-              <a:rPr lang="en-US" sz="1600" dirty="0"/>
-              <a:t> und </a:t>
-            </a:r>
-            <a:r>
-              <a:rPr lang="en-US" sz="1600" dirty="0" err="1"/>
-              <a:t>ändert</a:t>
+              <a:t>Möglichst</a:t>
             </a:r>
             <a:r>
               <a:rPr lang="en-US" sz="1600" dirty="0"/>
@@ -7465,15 +7357,31 @@
             </a:r>
             <a:r>
               <a:rPr lang="en-US" sz="1600" dirty="0"/>
-              <a:t> </a:t>
+              <a:t> “</a:t>
             </a:r>
             <a:r>
               <a:rPr lang="en-US" sz="1600" dirty="0" err="1"/>
-              <a:t>Daten</a:t>
+              <a:t>technischen</a:t>
             </a:r>
             <a:r>
               <a:rPr lang="en-US" sz="1600" dirty="0"/>
-              <a:t>!</a:t>
+              <a:t>” </a:t>
+            </a:r>
+            <a:r>
+              <a:rPr lang="en-US" sz="1600" dirty="0" err="1"/>
+              <a:t>Namen</a:t>
+            </a:r>
+            <a:r>
+              <a:rPr lang="en-US" sz="1600" dirty="0"/>
+              <a:t> (</a:t>
+            </a:r>
+            <a:r>
+              <a:rPr lang="en-US" sz="1600" dirty="0" err="1"/>
+              <a:t>z.B</a:t>
+            </a:r>
+            <a:r>
+              <a:rPr lang="en-US" sz="1600" dirty="0"/>
+              <a:t>. –label)</a:t>
             </a:r>
           </a:p>
           <a:p>
@@ -7483,11 +7391,11 @@
           <a:p>
             <a:pPr marL="457200" indent="-457200">
               <a:buFont typeface="+mj-lt"/>
-              <a:buAutoNum type="arabicPeriod" startAt="6"/>
+              <a:buAutoNum type="arabicPeriod"/>
             </a:pPr>
             <a:r>
               <a:rPr lang="en-US" sz="1800" b="1" dirty="0"/>
-              <a:t>Do not pass components to constructors</a:t>
+              <a:t>Avoid changes at the component tree</a:t>
             </a:r>
           </a:p>
           <a:p>
@@ -7497,70 +7405,51 @@
             </a:pPr>
             <a:r>
               <a:rPr lang="en-US" sz="1600" dirty="0" err="1">
-                <a:latin typeface="+mj-lt"/>
+                <a:latin typeface="Courier New" panose="02070309020205020404" pitchFamily="49" charset="0"/>
                 <a:cs typeface="Courier New" panose="02070309020205020404" pitchFamily="49" charset="0"/>
               </a:rPr>
-              <a:t>Keine</a:t>
+              <a:t>setVisible</a:t>
             </a:r>
             <a:r>
               <a:rPr lang="en-US" sz="1600" dirty="0">
-                <a:latin typeface="+mj-lt"/>
+                <a:latin typeface="Courier New" panose="02070309020205020404" pitchFamily="49" charset="0"/>
                 <a:cs typeface="Courier New" panose="02070309020205020404" pitchFamily="49" charset="0"/>
               </a:rPr>
+              <a:t>()</a:t>
+            </a:r>
+            <a:r>
+              <a:rPr lang="en-US" sz="1600" dirty="0"/>
               <a:t> </a:t>
             </a:r>
             <a:r>
-              <a:rPr lang="en-US" sz="1600" dirty="0" err="1">
-                <a:latin typeface="+mj-lt"/>
-                <a:cs typeface="Courier New" panose="02070309020205020404" pitchFamily="49" charset="0"/>
-              </a:rPr>
-              <a:t>Komponenten</a:t>
-            </a:r>
-            <a:r>
-              <a:rPr lang="en-US" sz="1600" dirty="0">
-                <a:latin typeface="+mj-lt"/>
-                <a:cs typeface="Courier New" panose="02070309020205020404" pitchFamily="49" charset="0"/>
-              </a:rPr>
+              <a:rPr lang="en-US" sz="1600" dirty="0" err="1"/>
+              <a:t>statt</a:t>
+            </a:r>
+            <a:r>
+              <a:rPr lang="en-US" sz="1600" dirty="0"/>
               <a:t> </a:t>
             </a:r>
             <a:r>
-              <a:rPr lang="en-US" sz="1600" dirty="0" err="1">
-                <a:latin typeface="+mj-lt"/>
-                <a:cs typeface="Courier New" panose="02070309020205020404" pitchFamily="49" charset="0"/>
-              </a:rPr>
-              <a:t>als</a:t>
-            </a:r>
-            <a:r>
-              <a:rPr lang="en-US" sz="1600" dirty="0">
-                <a:latin typeface="+mj-lt"/>
-                <a:cs typeface="Courier New" panose="02070309020205020404" pitchFamily="49" charset="0"/>
-              </a:rPr>
+              <a:rPr lang="en-US" sz="1600" dirty="0" err="1"/>
+              <a:t>Fallunterscheidung</a:t>
+            </a:r>
+            <a:r>
+              <a:rPr lang="en-US" sz="1600" dirty="0"/>
+              <a:t> – </a:t>
+            </a:r>
+            <a:r>
+              <a:rPr lang="en-US" sz="1600" dirty="0" err="1"/>
+              <a:t>besser</a:t>
+            </a:r>
+            <a:r>
+              <a:rPr lang="en-US" sz="1600" dirty="0"/>
               <a:t> </a:t>
             </a:r>
             <a:r>
-              <a:rPr lang="en-US" sz="1600" dirty="0" err="1">
-                <a:latin typeface="+mj-lt"/>
-                <a:cs typeface="Courier New" panose="02070309020205020404" pitchFamily="49" charset="0"/>
-              </a:rPr>
-              <a:t>Argumente</a:t>
-            </a:r>
-            <a:r>
-              <a:rPr lang="en-US" sz="1600" dirty="0">
-                <a:latin typeface="+mj-lt"/>
-                <a:cs typeface="Courier New" panose="02070309020205020404" pitchFamily="49" charset="0"/>
-              </a:rPr>
-              <a:t> in </a:t>
-            </a:r>
-            <a:r>
-              <a:rPr lang="en-US" sz="1600" dirty="0" err="1">
-                <a:latin typeface="+mj-lt"/>
-                <a:cs typeface="Courier New" panose="02070309020205020404" pitchFamily="49" charset="0"/>
-              </a:rPr>
-              <a:t>Konstruktoren</a:t>
-            </a:r>
-            <a:endParaRPr lang="en-US" sz="1600" dirty="0">
-              <a:latin typeface="+mj-lt"/>
-            </a:endParaRPr>
+              <a:rPr lang="en-US" sz="1600" dirty="0" err="1"/>
+              <a:t>testbar</a:t>
+            </a:r>
+            <a:endParaRPr lang="en-US" sz="1600" dirty="0"/>
           </a:p>
           <a:p>
             <a:pPr marL="857250" lvl="1" indent="-457200"/>
@@ -7569,11 +7458,11 @@
           <a:p>
             <a:pPr marL="457200" indent="-457200">
               <a:buFont typeface="+mj-lt"/>
-              <a:buAutoNum type="arabicPeriod" startAt="6"/>
+              <a:buAutoNum type="arabicPeriod"/>
             </a:pPr>
             <a:r>
               <a:rPr lang="en-US" sz="1800" b="1" dirty="0"/>
-              <a:t>Use the Wicket session only for global data</a:t>
+              <a:t>Implement visibilities of components correctly</a:t>
             </a:r>
           </a:p>
           <a:p>
@@ -7582,11 +7471,70 @@
               <a:buChar char="•"/>
             </a:pPr>
             <a:r>
-              <a:rPr lang="en-US" sz="1600" dirty="0">
-                <a:latin typeface="+mj-lt"/>
+              <a:rPr lang="en-US" sz="1600" dirty="0" err="1">
+                <a:latin typeface="Courier New" panose="02070309020205020404" pitchFamily="49" charset="0"/>
                 <a:cs typeface="Courier New" panose="02070309020205020404" pitchFamily="49" charset="0"/>
               </a:rPr>
-              <a:t>State of the user</a:t>
+              <a:t>setVisible</a:t>
+            </a:r>
+            <a:r>
+              <a:rPr lang="en-US" sz="1600" dirty="0">
+                <a:latin typeface="Courier New" panose="02070309020205020404" pitchFamily="49" charset="0"/>
+                <a:cs typeface="Courier New" panose="02070309020205020404" pitchFamily="49" charset="0"/>
+              </a:rPr>
+              <a:t>() </a:t>
+            </a:r>
+            <a:r>
+              <a:rPr lang="en-US" sz="1600" dirty="0" err="1"/>
+              <a:t>aufrufen</a:t>
+            </a:r>
+            <a:r>
+              <a:rPr lang="en-US" sz="1600" dirty="0"/>
+              <a:t> – </a:t>
+            </a:r>
+            <a:r>
+              <a:rPr lang="en-US" sz="1600" dirty="0" err="1"/>
+              <a:t>ggf</a:t>
+            </a:r>
+            <a:r>
+              <a:rPr lang="en-US" sz="1600" dirty="0"/>
+              <a:t>. Behavior</a:t>
+            </a:r>
+          </a:p>
+          <a:p>
+            <a:pPr marL="857250" lvl="1" indent="-457200">
+              <a:buFont typeface="Arial" panose="020B0604020202020204" pitchFamily="34" charset="0"/>
+              <a:buChar char="•"/>
+            </a:pPr>
+            <a:r>
+              <a:rPr lang="en-US" sz="1600" dirty="0" err="1"/>
+              <a:t>Nicht</a:t>
+            </a:r>
+            <a:r>
+              <a:rPr lang="en-US" sz="1600" dirty="0"/>
+              <a:t> </a:t>
+            </a:r>
+            <a:r>
+              <a:rPr lang="en-US" sz="1600" dirty="0" err="1">
+                <a:latin typeface="Courier New" panose="02070309020205020404" pitchFamily="49" charset="0"/>
+                <a:cs typeface="Courier New" panose="02070309020205020404" pitchFamily="49" charset="0"/>
+              </a:rPr>
+              <a:t>isVisible</a:t>
+            </a:r>
+            <a:r>
+              <a:rPr lang="en-US" sz="1600" dirty="0">
+                <a:latin typeface="Courier New" panose="02070309020205020404" pitchFamily="49" charset="0"/>
+                <a:cs typeface="Courier New" panose="02070309020205020404" pitchFamily="49" charset="0"/>
+              </a:rPr>
+              <a:t>()</a:t>
+            </a:r>
+            <a:r>
+              <a:rPr lang="en-US" sz="1600" dirty="0" err="1"/>
+              <a:t>überschreiben</a:t>
+            </a:r>
+            <a:r>
+              <a:rPr lang="en-US" sz="1600" dirty="0"/>
+              <a:t> (Performance)</a:t>
             </a:r>
             <a:endParaRPr lang="de-DE" sz="1600" dirty="0">
               <a:latin typeface="Courier New" panose="02070309020205020404" pitchFamily="49" charset="0"/>
@@ -7598,13 +7546,20 @@
     </p:spTree>
     <p:extLst>
       <p:ext uri="{BB962C8B-B14F-4D97-AF65-F5344CB8AC3E}">
-        <p14:creationId xmlns:p14="http://schemas.microsoft.com/office/powerpoint/2010/main" val="2778324739"/>
+        <p14:creationId xmlns:p14="http://schemas.microsoft.com/office/powerpoint/2010/main" val="763390486"/>
       </p:ext>
     </p:extLst>
   </p:cSld>
   <p:clrMapOvr>
     <a:masterClrMapping/>
   </p:clrMapOvr>
+  <p:timing>
+    <p:tnLst>
+      <p:par>
+        <p:cTn id="1" dur="indefinite" restart="never" nodeType="tmRoot"/>
+      </p:par>
+    </p:tnLst>
+  </p:timing>
 </p:sld>
 </file>
 
@@ -7669,6 +7624,380 @@
           <a:p>
             <a:pPr marL="457200" indent="-457200">
               <a:buFont typeface="+mj-lt"/>
+              <a:buAutoNum type="arabicPeriod" startAt="6"/>
+            </a:pPr>
+            <a:r>
+              <a:rPr lang="en-US" sz="1800" b="1" dirty="0"/>
+              <a:t>Always use models</a:t>
+            </a:r>
+          </a:p>
+          <a:p>
+            <a:pPr marL="857250" lvl="1" indent="-457200">
+              <a:buFont typeface="Arial" panose="020B0604020202020204" pitchFamily="34" charset="0"/>
+              <a:buChar char="•"/>
+            </a:pPr>
+            <a:r>
+              <a:rPr lang="en-US" sz="1400" dirty="0" err="1"/>
+              <a:t>Keine</a:t>
+            </a:r>
+            <a:r>
+              <a:rPr lang="en-US" sz="1400" dirty="0"/>
+              <a:t> </a:t>
+            </a:r>
+            <a:r>
+              <a:rPr lang="en-US" sz="1400" dirty="0" err="1"/>
+              <a:t>Komponenten</a:t>
+            </a:r>
+            <a:r>
+              <a:rPr lang="en-US" sz="1400" dirty="0"/>
+              <a:t> </a:t>
+            </a:r>
+            <a:r>
+              <a:rPr lang="en-US" sz="1400" dirty="0" err="1"/>
+              <a:t>ohne</a:t>
+            </a:r>
+            <a:r>
+              <a:rPr lang="en-US" sz="1400" dirty="0"/>
+              <a:t> Model</a:t>
+            </a:r>
+            <a:br>
+              <a:rPr lang="en-US" sz="1400" dirty="0"/>
+            </a:br>
+            <a:endParaRPr lang="en-US" sz="1400" dirty="0"/>
+          </a:p>
+          <a:p>
+            <a:pPr marL="457200" indent="-457200">
+              <a:buFont typeface="+mj-lt"/>
+              <a:buAutoNum type="arabicPeriod" startAt="6"/>
+            </a:pPr>
+            <a:r>
+              <a:rPr lang="en-US" sz="1800" b="1" dirty="0"/>
+              <a:t>Do not unwrap models within the constructor hierarchy</a:t>
+            </a:r>
+            <a:endParaRPr lang="de-DE" sz="1800" b="1" dirty="0"/>
+          </a:p>
+          <a:p>
+            <a:pPr lvl="1">
+              <a:buFont typeface="Arial" panose="020B0604020202020204" pitchFamily="34" charset="0"/>
+              <a:buChar char="•"/>
+            </a:pPr>
+            <a:r>
+              <a:rPr lang="de-DE" sz="1600" dirty="0"/>
+              <a:t>Models nur „auspacken“, wenn nötig</a:t>
+            </a:r>
+          </a:p>
+          <a:p>
+            <a:pPr lvl="1"/>
+            <a:endParaRPr lang="de-DE" sz="1600" dirty="0"/>
+          </a:p>
+          <a:p>
+            <a:pPr marL="457200" indent="-457200">
+              <a:buFont typeface="+mj-lt"/>
+              <a:buAutoNum type="arabicPeriod" startAt="6"/>
+            </a:pPr>
+            <a:r>
+              <a:rPr lang="en-US" sz="1800" b="1" dirty="0"/>
+              <a:t>Pass models extended components</a:t>
+            </a:r>
+          </a:p>
+          <a:p>
+            <a:pPr marL="857250" lvl="1" indent="-457200">
+              <a:buFont typeface="Arial" panose="020B0604020202020204" pitchFamily="34" charset="0"/>
+              <a:buChar char="•"/>
+            </a:pPr>
+            <a:r>
+              <a:rPr lang="en-US" sz="1600" dirty="0"/>
+              <a:t>Default Model </a:t>
+            </a:r>
+            <a:r>
+              <a:rPr lang="en-US" sz="1600" dirty="0" err="1"/>
+              <a:t>tatsächlich</a:t>
+            </a:r>
+            <a:r>
+              <a:rPr lang="en-US" sz="1600" dirty="0"/>
+              <a:t> </a:t>
+            </a:r>
+            <a:r>
+              <a:rPr lang="en-US" sz="1600" dirty="0" err="1"/>
+              <a:t>setzen</a:t>
+            </a:r>
+            <a:r>
+              <a:rPr lang="en-US" sz="1600" dirty="0"/>
+              <a:t> – </a:t>
+            </a:r>
+            <a:r>
+              <a:rPr lang="en-US" sz="1600" dirty="0" err="1"/>
+              <a:t>z.B</a:t>
+            </a:r>
+            <a:r>
+              <a:rPr lang="en-US" sz="1600" dirty="0"/>
+              <a:t>. in </a:t>
+            </a:r>
+            <a:r>
+              <a:rPr lang="en-US" sz="1600" dirty="0" err="1"/>
+              <a:t>eigenen</a:t>
+            </a:r>
+            <a:r>
+              <a:rPr lang="en-US" sz="1600" dirty="0"/>
+              <a:t> Panels</a:t>
+            </a:r>
+          </a:p>
+          <a:p>
+            <a:pPr marL="857250" lvl="1" indent="-457200"/>
+            <a:endParaRPr lang="en-US" sz="1600" dirty="0"/>
+          </a:p>
+          <a:p>
+            <a:pPr marL="457200" indent="-457200">
+              <a:buFont typeface="+mj-lt"/>
+              <a:buAutoNum type="arabicPeriod" startAt="6"/>
+            </a:pPr>
+            <a:r>
+              <a:rPr lang="en-US" sz="1800" b="1" dirty="0"/>
+              <a:t>Validators must not change any data or models</a:t>
+            </a:r>
+          </a:p>
+          <a:p>
+            <a:pPr marL="857250" lvl="1" indent="-457200">
+              <a:buFont typeface="Arial" panose="020B0604020202020204" pitchFamily="34" charset="0"/>
+              <a:buChar char="•"/>
+            </a:pPr>
+            <a:r>
+              <a:rPr lang="en-US" sz="1600" dirty="0"/>
+              <a:t>Ein Validator </a:t>
+            </a:r>
+            <a:r>
+              <a:rPr lang="en-US" sz="1600" dirty="0" err="1"/>
+              <a:t>validiert</a:t>
+            </a:r>
+            <a:r>
+              <a:rPr lang="en-US" sz="1600" dirty="0"/>
+              <a:t> und </a:t>
+            </a:r>
+            <a:r>
+              <a:rPr lang="en-US" sz="1600" dirty="0" err="1"/>
+              <a:t>ändert</a:t>
+            </a:r>
+            <a:r>
+              <a:rPr lang="en-US" sz="1600" dirty="0"/>
+              <a:t> </a:t>
+            </a:r>
+            <a:r>
+              <a:rPr lang="en-US" sz="1600" dirty="0" err="1"/>
+              <a:t>keine</a:t>
+            </a:r>
+            <a:r>
+              <a:rPr lang="en-US" sz="1600" dirty="0"/>
+              <a:t> </a:t>
+            </a:r>
+            <a:r>
+              <a:rPr lang="en-US" sz="1600" dirty="0" err="1"/>
+              <a:t>Daten</a:t>
+            </a:r>
+            <a:r>
+              <a:rPr lang="en-US" sz="1600" dirty="0"/>
+              <a:t>!</a:t>
+            </a:r>
+          </a:p>
+          <a:p>
+            <a:pPr marL="857250" lvl="1" indent="-457200"/>
+            <a:endParaRPr lang="en-US" sz="1600" dirty="0"/>
+          </a:p>
+          <a:p>
+            <a:pPr marL="457200" indent="-457200">
+              <a:buFont typeface="+mj-lt"/>
+              <a:buAutoNum type="arabicPeriod" startAt="6"/>
+            </a:pPr>
+            <a:r>
+              <a:rPr lang="en-US" sz="1800" b="1" dirty="0"/>
+              <a:t>Do not pass components to constructors</a:t>
+            </a:r>
+          </a:p>
+          <a:p>
+            <a:pPr marL="857250" lvl="1" indent="-457200">
+              <a:buFont typeface="Arial" panose="020B0604020202020204" pitchFamily="34" charset="0"/>
+              <a:buChar char="•"/>
+            </a:pPr>
+            <a:r>
+              <a:rPr lang="en-US" sz="1600" dirty="0" err="1">
+                <a:latin typeface="+mj-lt"/>
+                <a:cs typeface="Courier New" panose="02070309020205020404" pitchFamily="49" charset="0"/>
+              </a:rPr>
+              <a:t>Keine</a:t>
+            </a:r>
+            <a:r>
+              <a:rPr lang="en-US" sz="1600" dirty="0">
+                <a:latin typeface="+mj-lt"/>
+                <a:cs typeface="Courier New" panose="02070309020205020404" pitchFamily="49" charset="0"/>
+              </a:rPr>
+              <a:t> </a:t>
+            </a:r>
+            <a:r>
+              <a:rPr lang="en-US" sz="1600" dirty="0" err="1">
+                <a:latin typeface="+mj-lt"/>
+                <a:cs typeface="Courier New" panose="02070309020205020404" pitchFamily="49" charset="0"/>
+              </a:rPr>
+              <a:t>Komponenten</a:t>
+            </a:r>
+            <a:r>
+              <a:rPr lang="en-US" sz="1600" dirty="0">
+                <a:latin typeface="+mj-lt"/>
+                <a:cs typeface="Courier New" panose="02070309020205020404" pitchFamily="49" charset="0"/>
+              </a:rPr>
+              <a:t> </a:t>
+            </a:r>
+            <a:r>
+              <a:rPr lang="en-US" sz="1600" dirty="0" err="1">
+                <a:latin typeface="+mj-lt"/>
+                <a:cs typeface="Courier New" panose="02070309020205020404" pitchFamily="49" charset="0"/>
+              </a:rPr>
+              <a:t>als</a:t>
+            </a:r>
+            <a:r>
+              <a:rPr lang="en-US" sz="1600" dirty="0">
+                <a:latin typeface="+mj-lt"/>
+                <a:cs typeface="Courier New" panose="02070309020205020404" pitchFamily="49" charset="0"/>
+              </a:rPr>
+              <a:t> </a:t>
+            </a:r>
+            <a:r>
+              <a:rPr lang="en-US" sz="1600" dirty="0" err="1">
+                <a:latin typeface="+mj-lt"/>
+                <a:cs typeface="Courier New" panose="02070309020205020404" pitchFamily="49" charset="0"/>
+              </a:rPr>
+              <a:t>Argumente</a:t>
+            </a:r>
+            <a:r>
+              <a:rPr lang="en-US" sz="1600" dirty="0">
+                <a:latin typeface="+mj-lt"/>
+                <a:cs typeface="Courier New" panose="02070309020205020404" pitchFamily="49" charset="0"/>
+              </a:rPr>
+              <a:t> in </a:t>
+            </a:r>
+            <a:r>
+              <a:rPr lang="en-US" sz="1600" dirty="0" err="1">
+                <a:latin typeface="+mj-lt"/>
+                <a:cs typeface="Courier New" panose="02070309020205020404" pitchFamily="49" charset="0"/>
+              </a:rPr>
+              <a:t>Konstruktoren</a:t>
+            </a:r>
+            <a:endParaRPr lang="en-US" sz="1600" dirty="0">
+              <a:latin typeface="+mj-lt"/>
+            </a:endParaRPr>
+          </a:p>
+          <a:p>
+            <a:pPr marL="857250" lvl="1" indent="-457200"/>
+            <a:endParaRPr lang="en-US" sz="1600" dirty="0"/>
+          </a:p>
+          <a:p>
+            <a:pPr marL="457200" indent="-457200">
+              <a:buFont typeface="+mj-lt"/>
+              <a:buAutoNum type="arabicPeriod" startAt="6"/>
+            </a:pPr>
+            <a:r>
+              <a:rPr lang="en-US" sz="1800" b="1" dirty="0"/>
+              <a:t>Use the Wicket session only for global data</a:t>
+            </a:r>
+          </a:p>
+          <a:p>
+            <a:pPr marL="857250" lvl="1" indent="-457200">
+              <a:buFont typeface="Arial" panose="020B0604020202020204" pitchFamily="34" charset="0"/>
+              <a:buChar char="•"/>
+            </a:pPr>
+            <a:r>
+              <a:rPr lang="en-US" sz="1600" dirty="0">
+                <a:latin typeface="+mj-lt"/>
+                <a:cs typeface="Courier New" panose="02070309020205020404" pitchFamily="49" charset="0"/>
+              </a:rPr>
+              <a:t>State of the user</a:t>
+            </a:r>
+            <a:endParaRPr lang="de-DE" sz="1600" dirty="0">
+              <a:latin typeface="Courier New" panose="02070309020205020404" pitchFamily="49" charset="0"/>
+              <a:cs typeface="Courier New" panose="02070309020205020404" pitchFamily="49" charset="0"/>
+            </a:endParaRPr>
+          </a:p>
+        </p:txBody>
+      </p:sp>
+    </p:spTree>
+    <p:extLst>
+      <p:ext uri="{BB962C8B-B14F-4D97-AF65-F5344CB8AC3E}">
+        <p14:creationId xmlns:p14="http://schemas.microsoft.com/office/powerpoint/2010/main" val="2778324739"/>
+      </p:ext>
+    </p:extLst>
+  </p:cSld>
+  <p:clrMapOvr>
+    <a:masterClrMapping/>
+  </p:clrMapOvr>
+  <p:timing>
+    <p:tnLst>
+      <p:par>
+        <p:cTn id="1" dur="indefinite" restart="never" nodeType="tmRoot"/>
+      </p:par>
+    </p:tnLst>
+  </p:timing>
+</p:sld>
+</file>
+
+<file path=ppt/slides/slide5.xml><?xml version="1.0" encoding="utf-8"?>
+<p:sld xmlns:a="http://schemas.openxmlformats.org/drawingml/2006/main" xmlns:r="http://schemas.openxmlformats.org/officeDocument/2006/relationships" xmlns:p="http://schemas.openxmlformats.org/presentationml/2006/main">
+  <p:cSld>
+    <p:spTree>
+      <p:nvGrpSpPr>
+        <p:cNvPr id="1" name=""/>
+        <p:cNvGrpSpPr/>
+        <p:nvPr/>
+      </p:nvGrpSpPr>
+      <p:grpSpPr>
+        <a:xfrm>
+          <a:off x="0" y="0"/>
+          <a:ext cx="0" cy="0"/>
+          <a:chOff x="0" y="0"/>
+          <a:chExt cx="0" cy="0"/>
+        </a:xfrm>
+      </p:grpSpPr>
+      <p:sp>
+        <p:nvSpPr>
+          <p:cNvPr id="17411" name="Rectangle 1062"/>
+          <p:cNvSpPr>
+            <a:spLocks noGrp="1" noChangeArrowheads="1"/>
+          </p:cNvSpPr>
+          <p:nvPr>
+            <p:ph type="title"/>
+          </p:nvPr>
+        </p:nvSpPr>
+        <p:spPr>
+          <a:xfrm>
+            <a:off x="285750" y="142875"/>
+            <a:ext cx="5654675" cy="706438"/>
+          </a:xfrm>
+        </p:spPr>
+        <p:txBody>
+          <a:bodyPr/>
+          <a:lstStyle/>
+          <a:p>
+            <a:r>
+              <a:rPr lang="de-DE" dirty="0"/>
+              <a:t>Best Practices</a:t>
+            </a:r>
+          </a:p>
+        </p:txBody>
+      </p:sp>
+      <p:sp>
+        <p:nvSpPr>
+          <p:cNvPr id="2" name="Inhaltsplatzhalter 1"/>
+          <p:cNvSpPr>
+            <a:spLocks noGrp="1"/>
+          </p:cNvSpPr>
+          <p:nvPr>
+            <p:ph idx="1"/>
+          </p:nvPr>
+        </p:nvSpPr>
+        <p:spPr/>
+        <p:txBody>
+          <a:bodyPr/>
+          <a:lstStyle/>
+          <a:p>
+            <a:pPr marL="457200" indent="-457200">
+              <a:buFont typeface="+mj-lt"/>
               <a:buAutoNum type="arabicPeriod" startAt="12"/>
             </a:pPr>
             <a:r>
@@ -7859,6 +8188,13 @@
   <p:clrMapOvr>
     <a:masterClrMapping/>
   </p:clrMapOvr>
+  <p:timing>
+    <p:tnLst>
+      <p:par>
+        <p:cTn id="1" dur="indefinite" restart="never" nodeType="tmRoot"/>
+      </p:par>
+    </p:tnLst>
+  </p:timing>
 </p:sld>
 </file>
 

--- a/slides/Tag-3_2-Best-Practices.pptx
+++ b/slides/Tag-3_2-Best-Practices.pptx
@@ -4936,7 +4936,7 @@
               <a:pPr algn="ctr">
                 <a:defRPr/>
               </a:pPr>
-              <a:t>25.05.2021</a:t>
+              <a:t>28.05.2021</a:t>
             </a:fld>
             <a:endParaRPr lang="de-DE" sz="1000" dirty="0">
               <a:solidFill>
@@ -7072,17 +7072,10 @@
               <a:t>Nach: Apache </a:t>
             </a:r>
             <a:r>
-              <a:rPr lang="de-DE" sz="2000" i="1" dirty="0" err="1"/>
+              <a:rPr lang="de-DE" sz="2000" i="1" smtClean="0"/>
               <a:t>Wicket</a:t>
             </a:r>
-            <a:r>
-              <a:rPr lang="de-DE" sz="2000" i="1" dirty="0"/>
-              <a:t> Guide </a:t>
-            </a:r>
-            <a:r>
-              <a:rPr lang="de-DE" sz="2000" i="1" dirty="0" smtClean="0"/>
-              <a:t>6</a:t>
-            </a:r>
+            <a:endParaRPr lang="de-DE" sz="2000" i="1" dirty="0" smtClean="0"/>
           </a:p>
           <a:p>
             <a:pPr marL="0" indent="0" algn="ctr">
@@ -7100,10 +7093,47 @@
               </a:rPr>
               <a:t>ci.apache.org/projects/wicket/guide/6.x/guide/bestpractices.html</a:t>
             </a:r>
+            <a:endParaRPr lang="de-DE" sz="2000" i="1" dirty="0"/>
+          </a:p>
+          <a:p>
+            <a:pPr marL="0" indent="0" algn="ctr">
+              <a:buNone/>
+            </a:pPr>
+            <a:r>
+              <a:rPr lang="de-DE" sz="2000" i="1" dirty="0">
+                <a:hlinkClick r:id="rId3"/>
+              </a:rPr>
+              <a:t>https://</a:t>
+            </a:r>
+            <a:r>
+              <a:rPr lang="de-DE" sz="2000" i="1" dirty="0" smtClean="0">
+                <a:hlinkClick r:id="rId3"/>
+              </a:rPr>
+              <a:t>cwiki.apache.org/confluence/display/WICKET/Best+Practices+and+Gotchas</a:t>
+            </a:r>
+            <a:endParaRPr lang="de-DE" sz="2000" i="1" dirty="0" smtClean="0"/>
+          </a:p>
+          <a:p>
+            <a:pPr marL="0" indent="0" algn="ctr">
+              <a:buNone/>
+            </a:pPr>
+            <a:r>
+              <a:rPr lang="de-DE" sz="2000" i="1" dirty="0">
+                <a:hlinkClick r:id="rId4"/>
+              </a:rPr>
+              <a:t>https://ci.apache.org/projects/wicket/guide/9.x/single.html#_</a:t>
+            </a:r>
+            <a:r>
+              <a:rPr lang="de-DE" sz="2000" i="1" dirty="0" smtClean="0">
+                <a:hlinkClick r:id="rId4"/>
+              </a:rPr>
+              <a:t>wicket_best_practices</a:t>
+            </a:r>
             <a:r>
               <a:rPr lang="de-DE" sz="2000" i="1" dirty="0" smtClean="0"/>
               <a:t> </a:t>
             </a:r>
+            <a:endParaRPr lang="de-DE" sz="2000" i="1" dirty="0" smtClean="0"/>
           </a:p>
           <a:p>
             <a:pPr marL="0" indent="0" algn="ctr">

--- a/slides/Tag-3_2-Best-Practices.pptx
+++ b/slides/Tag-3_2-Best-Practices.pptx
@@ -4936,7 +4936,7 @@
               <a:pPr algn="ctr">
                 <a:defRPr/>
               </a:pPr>
-              <a:t>28.05.2021</a:t>
+              <a:t>08.02.2023</a:t>
             </a:fld>
             <a:endParaRPr lang="de-DE" sz="1000" dirty="0">
               <a:solidFill>
@@ -5394,30 +5394,6 @@
           </a:p>
         </p:txBody>
       </p:sp>
-      <p:pic>
-        <p:nvPicPr>
-          <p:cNvPr id="14" name="Grafik 13" descr="logoGFU.jpg"/>
-          <p:cNvPicPr>
-            <a:picLocks noChangeAspect="1"/>
-          </p:cNvPicPr>
-          <p:nvPr/>
-        </p:nvPicPr>
-        <p:blipFill>
-          <a:blip r:embed="rId16" cstate="print"/>
-          <a:stretch>
-            <a:fillRect/>
-          </a:stretch>
-        </p:blipFill>
-        <p:spPr>
-          <a:xfrm>
-            <a:off x="6805628" y="572040"/>
-            <a:ext cx="1785950" cy="385205"/>
-          </a:xfrm>
-          <a:prstGeom prst="rect">
-            <a:avLst/>
-          </a:prstGeom>
-        </p:spPr>
-      </p:pic>
       <p:sp>
         <p:nvSpPr>
           <p:cNvPr id="15" name="Text Box 24"/>
@@ -5512,7 +5488,7 @@
               <a:defRPr/>
             </a:pPr>
             <a:r>
-              <a:rPr lang="de-DE" sz="1000" dirty="0" smtClean="0">
+              <a:rPr lang="de-DE" sz="1000" dirty="0">
                 <a:solidFill>
                   <a:schemeClr val="bg1"/>
                 </a:solidFill>
@@ -5521,13 +5497,22 @@
               <a:t>Patrick</a:t>
             </a:r>
             <a:r>
-              <a:rPr lang="de-DE" sz="1000" baseline="0" dirty="0" smtClean="0">
+              <a:rPr lang="de-DE" sz="1000" baseline="0" dirty="0">
                 <a:solidFill>
                   <a:schemeClr val="bg1"/>
                 </a:solidFill>
                 <a:latin typeface="Arial" charset="0"/>
               </a:rPr>
-              <a:t> Möbius</a:t>
+              <a:t> </a:t>
+            </a:r>
+            <a:r>
+              <a:rPr lang="de-DE" sz="1000" baseline="0" dirty="0" err="1">
+                <a:solidFill>
+                  <a:schemeClr val="bg1"/>
+                </a:solidFill>
+                <a:latin typeface="Arial" charset="0"/>
+              </a:rPr>
+              <a:t>Ungewiß</a:t>
             </a:r>
             <a:endParaRPr lang="de-DE" sz="1000" dirty="0">
               <a:solidFill>
@@ -6998,13 +6983,6 @@
   <p:clrMapOvr>
     <a:masterClrMapping/>
   </p:clrMapOvr>
-  <p:timing>
-    <p:tnLst>
-      <p:par>
-        <p:cTn id="1" dur="indefinite" restart="never" nodeType="tmRoot"/>
-      </p:par>
-    </p:tnLst>
-  </p:timing>
 </p:sld>
 </file>
 
@@ -7072,10 +7050,10 @@
               <a:t>Nach: Apache </a:t>
             </a:r>
             <a:r>
-              <a:rPr lang="de-DE" sz="2000" i="1" smtClean="0"/>
+              <a:rPr lang="de-DE" sz="2000" i="1"/>
               <a:t>Wicket</a:t>
             </a:r>
-            <a:endParaRPr lang="de-DE" sz="2000" i="1" dirty="0" smtClean="0"/>
+            <a:endParaRPr lang="de-DE" sz="2000" i="1" dirty="0"/>
           </a:p>
           <a:p>
             <a:pPr marL="0" indent="0" algn="ctr">
@@ -7085,13 +7063,7 @@
               <a:rPr lang="de-DE" sz="2000" i="1" dirty="0">
                 <a:hlinkClick r:id="rId2"/>
               </a:rPr>
-              <a:t>https://</a:t>
-            </a:r>
-            <a:r>
-              <a:rPr lang="de-DE" sz="2000" i="1" dirty="0" smtClean="0">
-                <a:hlinkClick r:id="rId2"/>
-              </a:rPr>
-              <a:t>ci.apache.org/projects/wicket/guide/6.x/guide/bestpractices.html</a:t>
+              <a:t>https://ci.apache.org/projects/wicket/guide/6.x/guide/bestpractices.html</a:t>
             </a:r>
             <a:endParaRPr lang="de-DE" sz="2000" i="1" dirty="0"/>
           </a:p>
@@ -7103,15 +7075,9 @@
               <a:rPr lang="de-DE" sz="2000" i="1" dirty="0">
                 <a:hlinkClick r:id="rId3"/>
               </a:rPr>
-              <a:t>https://</a:t>
-            </a:r>
-            <a:r>
-              <a:rPr lang="de-DE" sz="2000" i="1" dirty="0" smtClean="0">
-                <a:hlinkClick r:id="rId3"/>
-              </a:rPr>
-              <a:t>cwiki.apache.org/confluence/display/WICKET/Best+Practices+and+Gotchas</a:t>
-            </a:r>
-            <a:endParaRPr lang="de-DE" sz="2000" i="1" dirty="0" smtClean="0"/>
+              <a:t>https://cwiki.apache.org/confluence/display/WICKET/Best+Practices+and+Gotchas</a:t>
+            </a:r>
+            <a:endParaRPr lang="de-DE" sz="2000" i="1" dirty="0"/>
           </a:p>
           <a:p>
             <a:pPr marL="0" indent="0" algn="ctr">
@@ -7121,19 +7087,12 @@
               <a:rPr lang="de-DE" sz="2000" i="1" dirty="0">
                 <a:hlinkClick r:id="rId4"/>
               </a:rPr>
-              <a:t>https://ci.apache.org/projects/wicket/guide/9.x/single.html#_</a:t>
-            </a:r>
-            <a:r>
-              <a:rPr lang="de-DE" sz="2000" i="1" dirty="0" smtClean="0">
-                <a:hlinkClick r:id="rId4"/>
-              </a:rPr>
-              <a:t>wicket_best_practices</a:t>
-            </a:r>
-            <a:r>
-              <a:rPr lang="de-DE" sz="2000" i="1" dirty="0" smtClean="0"/>
+              <a:t>https://ci.apache.org/projects/wicket/guide/9.x/single.html#_wicket_best_practices</a:t>
+            </a:r>
+            <a:r>
+              <a:rPr lang="de-DE" sz="2000" i="1" dirty="0"/>
               <a:t> </a:t>
             </a:r>
-            <a:endParaRPr lang="de-DE" sz="2000" i="1" dirty="0" smtClean="0"/>
           </a:p>
           <a:p>
             <a:pPr marL="0" indent="0" algn="ctr">
@@ -7179,13 +7138,6 @@
   <p:clrMapOvr>
     <a:masterClrMapping/>
   </p:clrMapOvr>
-  <p:timing>
-    <p:tnLst>
-      <p:par>
-        <p:cTn id="1" dur="indefinite" restart="never" nodeType="tmRoot"/>
-      </p:par>
-    </p:tnLst>
-  </p:timing>
 </p:sld>
 </file>
 
@@ -7583,13 +7535,6 @@
   <p:clrMapOvr>
     <a:masterClrMapping/>
   </p:clrMapOvr>
-  <p:timing>
-    <p:tnLst>
-      <p:par>
-        <p:cTn id="1" dur="indefinite" restart="never" nodeType="tmRoot"/>
-      </p:par>
-    </p:tnLst>
-  </p:timing>
 </p:sld>
 </file>
 
@@ -7957,13 +7902,6 @@
   <p:clrMapOvr>
     <a:masterClrMapping/>
   </p:clrMapOvr>
-  <p:timing>
-    <p:tnLst>
-      <p:par>
-        <p:cTn id="1" dur="indefinite" restart="never" nodeType="tmRoot"/>
-      </p:par>
-    </p:tnLst>
-  </p:timing>
 </p:sld>
 </file>
 
@@ -8115,10 +8053,6 @@
               <a:rPr lang="en-US" sz="1400" dirty="0" err="1"/>
               <a:t>Konfiguration</a:t>
             </a:r>
-            <a:r>
-              <a:rPr lang="en-US" sz="1400" dirty="0"/>
-              <a:t/>
-            </a:r>
             <a:br>
               <a:rPr lang="en-US" sz="1400" dirty="0"/>
             </a:br>
@@ -8218,13 +8152,6 @@
   <p:clrMapOvr>
     <a:masterClrMapping/>
   </p:clrMapOvr>
-  <p:timing>
-    <p:tnLst>
-      <p:par>
-        <p:cTn id="1" dur="indefinite" restart="never" nodeType="tmRoot"/>
-      </p:par>
-    </p:tnLst>
-  </p:timing>
 </p:sld>
 </file>
 

--- a/slides/Tag-3_2-Best-Practices.pptx
+++ b/slides/Tag-3_2-Best-Practices.pptx
@@ -4936,7 +4936,7 @@
               <a:pPr algn="ctr">
                 <a:defRPr/>
               </a:pPr>
-              <a:t>08.02.2023</a:t>
+              <a:t>10.02.2023</a:t>
             </a:fld>
             <a:endParaRPr lang="de-DE" sz="1000" dirty="0">
               <a:solidFill>
